--- a/Covid19_Presentation_Final.pptx
+++ b/Covid19_Presentation_Final.pptx
@@ -17,8 +17,7 @@
     <p:sldId id="264" r:id="rId11"/>
     <p:sldId id="267" r:id="rId12"/>
     <p:sldId id="268" r:id="rId13"/>
-    <p:sldId id="265" r:id="rId14"/>
-    <p:sldId id="266" r:id="rId15"/>
+    <p:sldId id="266" r:id="rId14"/>
   </p:sldIdLst>
   <p:sldSz cx="12192000" cy="6858000"/>
   <p:notesSz cx="6858000" cy="9144000"/>
@@ -117,6 +116,11 @@
       </a:defRPr>
     </a:lvl9pPr>
   </p:defaultTextStyle>
+  <p:extLst>
+    <p:ext uri="{EFAFB233-063F-42B5-8137-9DF3F51BA10A}">
+      <p15:sldGuideLst xmlns:p15="http://schemas.microsoft.com/office/powerpoint/2012/main"/>
+    </p:ext>
+  </p:extLst>
 </p:presentation>
 </file>
 
@@ -215,7 +219,7 @@
           <a:effectLst/>
           <a:extLst>
             <a:ext uri="{91240B29-F687-4f45-9708-019B960494DF}">
-              <a14:hiddenLine xmlns:a14="http://schemas.microsoft.com/office/drawing/2010/main" xmlns="" w="9525">
+              <a14:hiddenLine xmlns="" xmlns:a14="http://schemas.microsoft.com/office/drawing/2010/main" w="9525">
                 <a:solidFill>
                   <a:srgbClr val="000000"/>
                 </a:solidFill>
@@ -1745,7 +1749,7 @@
           <a:ln/>
           <a:extLst>
             <a:ext uri="{91240B29-F687-4f45-9708-019B960494DF}">
-              <a14:hiddenLine xmlns:a14="http://schemas.microsoft.com/office/drawing/2010/main" xmlns="" w="9525">
+              <a14:hiddenLine xmlns="" xmlns:a14="http://schemas.microsoft.com/office/drawing/2010/main" w="9525">
                 <a:solidFill>
                   <a:srgbClr val="000000"/>
                 </a:solidFill>
@@ -2022,7 +2026,7 @@
           <a:ln/>
           <a:extLst>
             <a:ext uri="{91240B29-F687-4f45-9708-019B960494DF}">
-              <a14:hiddenLine xmlns:a14="http://schemas.microsoft.com/office/drawing/2010/main" xmlns="" w="9525">
+              <a14:hiddenLine xmlns="" xmlns:a14="http://schemas.microsoft.com/office/drawing/2010/main" w="9525">
                 <a:solidFill>
                   <a:srgbClr val="000000"/>
                 </a:solidFill>
@@ -2307,7 +2311,7 @@
           <a:ln/>
           <a:extLst>
             <a:ext uri="{91240B29-F687-4f45-9708-019B960494DF}">
-              <a14:hiddenLine xmlns:a14="http://schemas.microsoft.com/office/drawing/2010/main" xmlns="" w="9525">
+              <a14:hiddenLine xmlns="" xmlns:a14="http://schemas.microsoft.com/office/drawing/2010/main" w="9525">
                 <a:solidFill>
                   <a:srgbClr val="000000"/>
                 </a:solidFill>
@@ -2937,7 +2941,7 @@
           <a:ln/>
           <a:extLst>
             <a:ext uri="{91240B29-F687-4f45-9708-019B960494DF}">
-              <a14:hiddenLine xmlns:a14="http://schemas.microsoft.com/office/drawing/2010/main" xmlns="" w="9525">
+              <a14:hiddenLine xmlns="" xmlns:a14="http://schemas.microsoft.com/office/drawing/2010/main" w="9525">
                 <a:solidFill>
                   <a:srgbClr val="000000"/>
                 </a:solidFill>
@@ -3278,7 +3282,7 @@
           <a:ln/>
           <a:extLst>
             <a:ext uri="{91240B29-F687-4f45-9708-019B960494DF}">
-              <a14:hiddenLine xmlns:a14="http://schemas.microsoft.com/office/drawing/2010/main" xmlns="" w="9525">
+              <a14:hiddenLine xmlns="" xmlns:a14="http://schemas.microsoft.com/office/drawing/2010/main" w="9525">
                 <a:solidFill>
                   <a:srgbClr val="000000"/>
                 </a:solidFill>
@@ -3757,7 +3761,7 @@
           <a:ln/>
           <a:extLst>
             <a:ext uri="{91240B29-F687-4f45-9708-019B960494DF}">
-              <a14:hiddenLine xmlns:a14="http://schemas.microsoft.com/office/drawing/2010/main" xmlns="" w="9525">
+              <a14:hiddenLine xmlns="" xmlns:a14="http://schemas.microsoft.com/office/drawing/2010/main" w="9525">
                 <a:solidFill>
                   <a:srgbClr val="000000"/>
                 </a:solidFill>
@@ -4190,7 +4194,7 @@
           <a:ln/>
           <a:extLst>
             <a:ext uri="{91240B29-F687-4f45-9708-019B960494DF}">
-              <a14:hiddenLine xmlns:a14="http://schemas.microsoft.com/office/drawing/2010/main" xmlns="" w="9525">
+              <a14:hiddenLine xmlns="" xmlns:a14="http://schemas.microsoft.com/office/drawing/2010/main" w="9525">
                 <a:solidFill>
                   <a:srgbClr val="000000"/>
                 </a:solidFill>
@@ -6142,93 +6146,6 @@
           <p:cNvPr id="2" name="Title 1">
             <a:extLst>
               <a:ext uri="{FF2B5EF4-FFF2-40B4-BE49-F238E27FC236}">
-                <a16:creationId xmlns:a16="http://schemas.microsoft.com/office/drawing/2014/main" id="{94F5D017-B681-577D-C18D-844922D36646}"/>
-              </a:ext>
-            </a:extLst>
-          </p:cNvPr>
-          <p:cNvSpPr>
-            <a:spLocks noGrp="1"/>
-          </p:cNvSpPr>
-          <p:nvPr>
-            <p:ph type="title"/>
-          </p:nvPr>
-        </p:nvSpPr>
-        <p:spPr/>
-        <p:txBody>
-          <a:bodyPr/>
-          <a:lstStyle/>
-          <a:p>
-            <a:r>
-              <a:rPr lang="en-US" i="0" dirty="0">
-                <a:effectLst/>
-                <a:latin typeface="-apple-system"/>
-              </a:rPr>
-              <a:t>How effective was having multiple vaccinations?</a:t>
-            </a:r>
-            <a:endParaRPr lang="en-US" dirty="0"/>
-          </a:p>
-        </p:txBody>
-      </p:sp>
-      <p:sp>
-        <p:nvSpPr>
-          <p:cNvPr id="3" name="Content Placeholder 2">
-            <a:extLst>
-              <a:ext uri="{FF2B5EF4-FFF2-40B4-BE49-F238E27FC236}">
-                <a16:creationId xmlns:a16="http://schemas.microsoft.com/office/drawing/2014/main" id="{C068009E-47BE-6BB2-32D1-FD031A32FB9B}"/>
-              </a:ext>
-            </a:extLst>
-          </p:cNvPr>
-          <p:cNvSpPr>
-            <a:spLocks noGrp="1"/>
-          </p:cNvSpPr>
-          <p:nvPr>
-            <p:ph idx="1"/>
-          </p:nvPr>
-        </p:nvSpPr>
-        <p:spPr/>
-        <p:txBody>
-          <a:bodyPr/>
-          <a:lstStyle/>
-          <a:p>
-            <a:endParaRPr lang="en-US"/>
-          </a:p>
-        </p:txBody>
-      </p:sp>
-    </p:spTree>
-    <p:extLst>
-      <p:ext uri="{BB962C8B-B14F-4D97-AF65-F5344CB8AC3E}">
-        <p14:creationId xmlns:p14="http://schemas.microsoft.com/office/powerpoint/2010/main" val="2618679231"/>
-      </p:ext>
-    </p:extLst>
-  </p:cSld>
-  <p:clrMapOvr>
-    <a:masterClrMapping/>
-  </p:clrMapOvr>
-</p:sld>
-</file>
-
-<file path=ppt/slides/slide14.xml><?xml version="1.0" encoding="utf-8"?>
-<p:sld xmlns:a="http://schemas.openxmlformats.org/drawingml/2006/main" xmlns:r="http://schemas.openxmlformats.org/officeDocument/2006/relationships" xmlns:p="http://schemas.openxmlformats.org/presentationml/2006/main">
-  <p:cSld>
-    <p:spTree>
-      <p:nvGrpSpPr>
-        <p:cNvPr id="1" name=""/>
-        <p:cNvGrpSpPr/>
-        <p:nvPr/>
-      </p:nvGrpSpPr>
-      <p:grpSpPr>
-        <a:xfrm>
-          <a:off x="0" y="0"/>
-          <a:ext cx="0" cy="0"/>
-          <a:chOff x="0" y="0"/>
-          <a:chExt cx="0" cy="0"/>
-        </a:xfrm>
-      </p:grpSpPr>
-      <p:sp>
-        <p:nvSpPr>
-          <p:cNvPr id="2" name="Title 1">
-            <a:extLst>
-              <a:ext uri="{FF2B5EF4-FFF2-40B4-BE49-F238E27FC236}">
                 <a16:creationId xmlns:a16="http://schemas.microsoft.com/office/drawing/2014/main" id="{7BA1DF8F-E73A-21E4-510B-CFC8CB775B05}"/>
               </a:ext>
             </a:extLst>

--- a/Covid19_Presentation_Final.pptx
+++ b/Covid19_Presentation_Final.pptx
@@ -219,7 +219,7 @@
           <a:effectLst/>
           <a:extLst>
             <a:ext uri="{91240B29-F687-4f45-9708-019B960494DF}">
-              <a14:hiddenLine xmlns="" xmlns:a14="http://schemas.microsoft.com/office/drawing/2010/main" w="9525">
+              <a14:hiddenLine xmlns:a14="http://schemas.microsoft.com/office/drawing/2010/main" xmlns="" w="9525">
                 <a:solidFill>
                   <a:srgbClr val="000000"/>
                 </a:solidFill>
@@ -1749,7 +1749,7 @@
           <a:ln/>
           <a:extLst>
             <a:ext uri="{91240B29-F687-4f45-9708-019B960494DF}">
-              <a14:hiddenLine xmlns="" xmlns:a14="http://schemas.microsoft.com/office/drawing/2010/main" w="9525">
+              <a14:hiddenLine xmlns:a14="http://schemas.microsoft.com/office/drawing/2010/main" xmlns="" w="9525">
                 <a:solidFill>
                   <a:srgbClr val="000000"/>
                 </a:solidFill>
@@ -2026,7 +2026,7 @@
           <a:ln/>
           <a:extLst>
             <a:ext uri="{91240B29-F687-4f45-9708-019B960494DF}">
-              <a14:hiddenLine xmlns="" xmlns:a14="http://schemas.microsoft.com/office/drawing/2010/main" w="9525">
+              <a14:hiddenLine xmlns:a14="http://schemas.microsoft.com/office/drawing/2010/main" xmlns="" w="9525">
                 <a:solidFill>
                   <a:srgbClr val="000000"/>
                 </a:solidFill>
@@ -2311,7 +2311,7 @@
           <a:ln/>
           <a:extLst>
             <a:ext uri="{91240B29-F687-4f45-9708-019B960494DF}">
-              <a14:hiddenLine xmlns="" xmlns:a14="http://schemas.microsoft.com/office/drawing/2010/main" w="9525">
+              <a14:hiddenLine xmlns:a14="http://schemas.microsoft.com/office/drawing/2010/main" xmlns="" w="9525">
                 <a:solidFill>
                   <a:srgbClr val="000000"/>
                 </a:solidFill>
@@ -2941,7 +2941,7 @@
           <a:ln/>
           <a:extLst>
             <a:ext uri="{91240B29-F687-4f45-9708-019B960494DF}">
-              <a14:hiddenLine xmlns="" xmlns:a14="http://schemas.microsoft.com/office/drawing/2010/main" w="9525">
+              <a14:hiddenLine xmlns:a14="http://schemas.microsoft.com/office/drawing/2010/main" xmlns="" w="9525">
                 <a:solidFill>
                   <a:srgbClr val="000000"/>
                 </a:solidFill>
@@ -3282,7 +3282,7 @@
           <a:ln/>
           <a:extLst>
             <a:ext uri="{91240B29-F687-4f45-9708-019B960494DF}">
-              <a14:hiddenLine xmlns="" xmlns:a14="http://schemas.microsoft.com/office/drawing/2010/main" w="9525">
+              <a14:hiddenLine xmlns:a14="http://schemas.microsoft.com/office/drawing/2010/main" xmlns="" w="9525">
                 <a:solidFill>
                   <a:srgbClr val="000000"/>
                 </a:solidFill>
@@ -3761,7 +3761,7 @@
           <a:ln/>
           <a:extLst>
             <a:ext uri="{91240B29-F687-4f45-9708-019B960494DF}">
-              <a14:hiddenLine xmlns="" xmlns:a14="http://schemas.microsoft.com/office/drawing/2010/main" w="9525">
+              <a14:hiddenLine xmlns:a14="http://schemas.microsoft.com/office/drawing/2010/main" xmlns="" w="9525">
                 <a:solidFill>
                   <a:srgbClr val="000000"/>
                 </a:solidFill>
@@ -4194,7 +4194,7 @@
           <a:ln/>
           <a:extLst>
             <a:ext uri="{91240B29-F687-4f45-9708-019B960494DF}">
-              <a14:hiddenLine xmlns="" xmlns:a14="http://schemas.microsoft.com/office/drawing/2010/main" w="9525">
+              <a14:hiddenLine xmlns:a14="http://schemas.microsoft.com/office/drawing/2010/main" xmlns="" w="9525">
                 <a:solidFill>
                   <a:srgbClr val="000000"/>
                 </a:solidFill>

--- a/Covid19_Presentation_Final.pptx
+++ b/Covid19_Presentation_Final.pptx
@@ -11,13 +11,12 @@
     <p:sldId id="258" r:id="rId5"/>
     <p:sldId id="259" r:id="rId6"/>
     <p:sldId id="260" r:id="rId7"/>
-    <p:sldId id="262" r:id="rId8"/>
-    <p:sldId id="269" r:id="rId9"/>
-    <p:sldId id="263" r:id="rId10"/>
-    <p:sldId id="264" r:id="rId11"/>
-    <p:sldId id="267" r:id="rId12"/>
-    <p:sldId id="268" r:id="rId13"/>
-    <p:sldId id="266" r:id="rId14"/>
+    <p:sldId id="269" r:id="rId8"/>
+    <p:sldId id="263" r:id="rId9"/>
+    <p:sldId id="264" r:id="rId10"/>
+    <p:sldId id="267" r:id="rId11"/>
+    <p:sldId id="268" r:id="rId12"/>
+    <p:sldId id="266" r:id="rId13"/>
   </p:sldIdLst>
   <p:sldSz cx="12192000" cy="6858000"/>
   <p:notesSz cx="6858000" cy="9144000"/>
@@ -219,7 +218,7 @@
           <a:effectLst/>
           <a:extLst>
             <a:ext uri="{91240B29-F687-4f45-9708-019B960494DF}">
-              <a14:hiddenLine xmlns:a14="http://schemas.microsoft.com/office/drawing/2010/main" xmlns="" w="9525">
+              <a14:hiddenLine xmlns="" xmlns:a14="http://schemas.microsoft.com/office/drawing/2010/main" w="9525">
                 <a:solidFill>
                   <a:srgbClr val="000000"/>
                 </a:solidFill>
@@ -1749,7 +1748,7 @@
           <a:ln/>
           <a:extLst>
             <a:ext uri="{91240B29-F687-4f45-9708-019B960494DF}">
-              <a14:hiddenLine xmlns:a14="http://schemas.microsoft.com/office/drawing/2010/main" xmlns="" w="9525">
+              <a14:hiddenLine xmlns="" xmlns:a14="http://schemas.microsoft.com/office/drawing/2010/main" w="9525">
                 <a:solidFill>
                   <a:srgbClr val="000000"/>
                 </a:solidFill>
@@ -2026,7 +2025,7 @@
           <a:ln/>
           <a:extLst>
             <a:ext uri="{91240B29-F687-4f45-9708-019B960494DF}">
-              <a14:hiddenLine xmlns:a14="http://schemas.microsoft.com/office/drawing/2010/main" xmlns="" w="9525">
+              <a14:hiddenLine xmlns="" xmlns:a14="http://schemas.microsoft.com/office/drawing/2010/main" w="9525">
                 <a:solidFill>
                   <a:srgbClr val="000000"/>
                 </a:solidFill>
@@ -2311,7 +2310,7 @@
           <a:ln/>
           <a:extLst>
             <a:ext uri="{91240B29-F687-4f45-9708-019B960494DF}">
-              <a14:hiddenLine xmlns:a14="http://schemas.microsoft.com/office/drawing/2010/main" xmlns="" w="9525">
+              <a14:hiddenLine xmlns="" xmlns:a14="http://schemas.microsoft.com/office/drawing/2010/main" w="9525">
                 <a:solidFill>
                   <a:srgbClr val="000000"/>
                 </a:solidFill>
@@ -2941,7 +2940,7 @@
           <a:ln/>
           <a:extLst>
             <a:ext uri="{91240B29-F687-4f45-9708-019B960494DF}">
-              <a14:hiddenLine xmlns:a14="http://schemas.microsoft.com/office/drawing/2010/main" xmlns="" w="9525">
+              <a14:hiddenLine xmlns="" xmlns:a14="http://schemas.microsoft.com/office/drawing/2010/main" w="9525">
                 <a:solidFill>
                   <a:srgbClr val="000000"/>
                 </a:solidFill>
@@ -3282,7 +3281,7 @@
           <a:ln/>
           <a:extLst>
             <a:ext uri="{91240B29-F687-4f45-9708-019B960494DF}">
-              <a14:hiddenLine xmlns:a14="http://schemas.microsoft.com/office/drawing/2010/main" xmlns="" w="9525">
+              <a14:hiddenLine xmlns="" xmlns:a14="http://schemas.microsoft.com/office/drawing/2010/main" w="9525">
                 <a:solidFill>
                   <a:srgbClr val="000000"/>
                 </a:solidFill>
@@ -3761,7 +3760,7 @@
           <a:ln/>
           <a:extLst>
             <a:ext uri="{91240B29-F687-4f45-9708-019B960494DF}">
-              <a14:hiddenLine xmlns:a14="http://schemas.microsoft.com/office/drawing/2010/main" xmlns="" w="9525">
+              <a14:hiddenLine xmlns="" xmlns:a14="http://schemas.microsoft.com/office/drawing/2010/main" w="9525">
                 <a:solidFill>
                   <a:srgbClr val="000000"/>
                 </a:solidFill>
@@ -4194,7 +4193,7 @@
           <a:ln/>
           <a:extLst>
             <a:ext uri="{91240B29-F687-4f45-9708-019B960494DF}">
-              <a14:hiddenLine xmlns:a14="http://schemas.microsoft.com/office/drawing/2010/main" xmlns="" w="9525">
+              <a14:hiddenLine xmlns="" xmlns:a14="http://schemas.microsoft.com/office/drawing/2010/main" w="9525">
                 <a:solidFill>
                   <a:srgbClr val="000000"/>
                 </a:solidFill>
@@ -5546,7 +5545,7 @@
           <p:cNvPr id="2" name="Title 1">
             <a:extLst>
               <a:ext uri="{FF2B5EF4-FFF2-40B4-BE49-F238E27FC236}">
-                <a16:creationId xmlns:a16="http://schemas.microsoft.com/office/drawing/2014/main" id="{E41FFD0F-ACC8-F56C-61DA-EBE9F057C601}"/>
+                <a16:creationId xmlns:a16="http://schemas.microsoft.com/office/drawing/2014/main" id="{9CF13DC5-8485-0C55-08D7-A9F25BCD08B9}"/>
               </a:ext>
             </a:extLst>
           </p:cNvPr>
@@ -5575,10 +5574,10 @@
       </p:sp>
       <p:pic>
         <p:nvPicPr>
-          <p:cNvPr id="24" name="Content Placeholder 23" descr="A graph of the spread of the coronavirus&#10;&#10;Description automatically generated">
+          <p:cNvPr id="4" name="Content Placeholder 3">
             <a:extLst>
               <a:ext uri="{FF2B5EF4-FFF2-40B4-BE49-F238E27FC236}">
-                <a16:creationId xmlns:a16="http://schemas.microsoft.com/office/drawing/2014/main" id="{EF096249-9B31-4056-FBD0-31C2758377CA}"/>
+                <a16:creationId xmlns:a16="http://schemas.microsoft.com/office/drawing/2014/main" id="{F889D8FE-374A-C53A-A8A5-AA3B32E756A2}"/>
               </a:ext>
             </a:extLst>
           </p:cNvPr>
@@ -5597,17 +5596,25 @@
         </p:blipFill>
         <p:spPr>
           <a:xfrm>
-            <a:off x="2990088" y="1920748"/>
-            <a:ext cx="9201912" cy="4873244"/>
+            <a:off x="3017520" y="1907092"/>
+            <a:ext cx="9174480" cy="4877755"/>
           </a:xfrm>
+          <a:prstGeom prst="rect">
+            <a:avLst/>
+          </a:prstGeom>
+          <a:ln>
+            <a:solidFill>
+              <a:schemeClr val="accent1"/>
+            </a:solidFill>
+          </a:ln>
         </p:spPr>
       </p:pic>
       <p:sp>
         <p:nvSpPr>
-          <p:cNvPr id="25" name="TextBox 24">
+          <p:cNvPr id="5" name="TextBox 4">
             <a:extLst>
               <a:ext uri="{FF2B5EF4-FFF2-40B4-BE49-F238E27FC236}">
-                <a16:creationId xmlns:a16="http://schemas.microsoft.com/office/drawing/2014/main" id="{3C114A6D-0AA4-DF02-C16E-E384F8B7E884}"/>
+                <a16:creationId xmlns:a16="http://schemas.microsoft.com/office/drawing/2014/main" id="{885C5960-B69A-252C-07DD-3DFD47F39E40}"/>
               </a:ext>
             </a:extLst>
           </p:cNvPr>
@@ -5616,8 +5623,8 @@
         </p:nvSpPr>
         <p:spPr>
           <a:xfrm>
-            <a:off x="365760" y="3236551"/>
-            <a:ext cx="2203704" cy="2031325"/>
+            <a:off x="0" y="2333685"/>
+            <a:ext cx="3017520" cy="4524315"/>
           </a:xfrm>
           <a:prstGeom prst="rect">
             <a:avLst/>
@@ -5631,8 +5638,8 @@
           <a:lstStyle/>
           <a:p>
             <a:r>
-              <a:rPr lang="en-US" b="1" dirty="0"/>
-              <a:t>Key Messages</a:t>
+              <a:rPr lang="en-AU" b="1" dirty="0"/>
+              <a:t>Key Messages:</a:t>
             </a:r>
           </a:p>
           <a:p>
@@ -5641,8 +5648,8 @@
               <a:buChar char="•"/>
             </a:pPr>
             <a:r>
-              <a:rPr lang="en-US" dirty="0"/>
-              <a:t>7 waves identified</a:t>
+              <a:rPr lang="en-AU" sz="1800" dirty="0"/>
+              <a:t>Vaccination works: Drastic drop in New Cases after 2300 People Fully Vaccinated Per Hundred.  This means people have 23x vaccinations.</a:t>
             </a:r>
           </a:p>
           <a:p>
@@ -5651,16 +5658,20 @@
               <a:buChar char="•"/>
             </a:pPr>
             <a:r>
-              <a:rPr lang="en-US" dirty="0"/>
-              <a:t>Each wave is associated with Peak New Deaths</a:t>
-            </a:r>
+              <a:rPr lang="en-AU" sz="1800" dirty="0"/>
+              <a:t>Vaccination stopped being administered: Vaccination peaked by mid-2022 and dramatically dropped to zero.</a:t>
+            </a:r>
+            <a:endParaRPr lang="en-US" sz="1800" dirty="0"/>
+          </a:p>
+          <a:p>
+            <a:endParaRPr lang="en-US" dirty="0"/>
           </a:p>
         </p:txBody>
       </p:sp>
     </p:spTree>
     <p:extLst>
       <p:ext uri="{BB962C8B-B14F-4D97-AF65-F5344CB8AC3E}">
-        <p14:creationId xmlns:p14="http://schemas.microsoft.com/office/powerpoint/2010/main" val="319259423"/>
+        <p14:creationId xmlns:p14="http://schemas.microsoft.com/office/powerpoint/2010/main" val="4247249526"/>
       </p:ext>
     </p:extLst>
   </p:cSld>
@@ -5692,164 +5703,6 @@
           <p:cNvPr id="2" name="Title 1">
             <a:extLst>
               <a:ext uri="{FF2B5EF4-FFF2-40B4-BE49-F238E27FC236}">
-                <a16:creationId xmlns:a16="http://schemas.microsoft.com/office/drawing/2014/main" id="{9CF13DC5-8485-0C55-08D7-A9F25BCD08B9}"/>
-              </a:ext>
-            </a:extLst>
-          </p:cNvPr>
-          <p:cNvSpPr>
-            <a:spLocks noGrp="1"/>
-          </p:cNvSpPr>
-          <p:nvPr>
-            <p:ph type="title"/>
-          </p:nvPr>
-        </p:nvSpPr>
-        <p:spPr/>
-        <p:txBody>
-          <a:bodyPr/>
-          <a:lstStyle/>
-          <a:p>
-            <a:r>
-              <a:rPr lang="en-US" i="0" dirty="0">
-                <a:effectLst/>
-                <a:latin typeface="-apple-system"/>
-              </a:rPr>
-              <a:t>Were the COVID-19 vaccinations effective in Australia?</a:t>
-            </a:r>
-            <a:endParaRPr lang="en-US" dirty="0"/>
-          </a:p>
-        </p:txBody>
-      </p:sp>
-      <p:pic>
-        <p:nvPicPr>
-          <p:cNvPr id="4" name="Content Placeholder 3">
-            <a:extLst>
-              <a:ext uri="{FF2B5EF4-FFF2-40B4-BE49-F238E27FC236}">
-                <a16:creationId xmlns:a16="http://schemas.microsoft.com/office/drawing/2014/main" id="{F889D8FE-374A-C53A-A8A5-AA3B32E756A2}"/>
-              </a:ext>
-            </a:extLst>
-          </p:cNvPr>
-          <p:cNvPicPr>
-            <a:picLocks noGrp="1" noChangeAspect="1"/>
-          </p:cNvPicPr>
-          <p:nvPr>
-            <p:ph idx="1"/>
-          </p:nvPr>
-        </p:nvPicPr>
-        <p:blipFill>
-          <a:blip r:embed="rId2"/>
-          <a:stretch>
-            <a:fillRect/>
-          </a:stretch>
-        </p:blipFill>
-        <p:spPr>
-          <a:xfrm>
-            <a:off x="3017520" y="1907092"/>
-            <a:ext cx="9174480" cy="4877755"/>
-          </a:xfrm>
-          <a:prstGeom prst="rect">
-            <a:avLst/>
-          </a:prstGeom>
-          <a:ln>
-            <a:solidFill>
-              <a:schemeClr val="accent1"/>
-            </a:solidFill>
-          </a:ln>
-        </p:spPr>
-      </p:pic>
-      <p:sp>
-        <p:nvSpPr>
-          <p:cNvPr id="5" name="TextBox 4">
-            <a:extLst>
-              <a:ext uri="{FF2B5EF4-FFF2-40B4-BE49-F238E27FC236}">
-                <a16:creationId xmlns:a16="http://schemas.microsoft.com/office/drawing/2014/main" id="{885C5960-B69A-252C-07DD-3DFD47F39E40}"/>
-              </a:ext>
-            </a:extLst>
-          </p:cNvPr>
-          <p:cNvSpPr txBox="1"/>
-          <p:nvPr/>
-        </p:nvSpPr>
-        <p:spPr>
-          <a:xfrm>
-            <a:off x="0" y="2333685"/>
-            <a:ext cx="3017520" cy="4524315"/>
-          </a:xfrm>
-          <a:prstGeom prst="rect">
-            <a:avLst/>
-          </a:prstGeom>
-          <a:noFill/>
-        </p:spPr>
-        <p:txBody>
-          <a:bodyPr wrap="square" rtlCol="0">
-            <a:spAutoFit/>
-          </a:bodyPr>
-          <a:lstStyle/>
-          <a:p>
-            <a:r>
-              <a:rPr lang="en-AU" b="1" dirty="0"/>
-              <a:t>Key Messages:</a:t>
-            </a:r>
-          </a:p>
-          <a:p>
-            <a:pPr marL="285750" indent="-285750">
-              <a:buFont typeface="Arial" panose="020B0604020202020204" pitchFamily="34" charset="0"/>
-              <a:buChar char="•"/>
-            </a:pPr>
-            <a:r>
-              <a:rPr lang="en-AU" sz="1800" dirty="0"/>
-              <a:t>Vaccination works: Drastic drop in New Cases after 2300 People Fully Vaccinated Per Hundred.  This means people have 23x vaccinations.</a:t>
-            </a:r>
-          </a:p>
-          <a:p>
-            <a:pPr marL="285750" indent="-285750">
-              <a:buFont typeface="Arial" panose="020B0604020202020204" pitchFamily="34" charset="0"/>
-              <a:buChar char="•"/>
-            </a:pPr>
-            <a:r>
-              <a:rPr lang="en-AU" sz="1800" dirty="0"/>
-              <a:t>Vaccination stopped being administered: Vaccination peaked by mid-2022 and dramatically dropped to zero.</a:t>
-            </a:r>
-            <a:endParaRPr lang="en-US" sz="1800" dirty="0"/>
-          </a:p>
-          <a:p>
-            <a:endParaRPr lang="en-US" dirty="0"/>
-          </a:p>
-        </p:txBody>
-      </p:sp>
-    </p:spTree>
-    <p:extLst>
-      <p:ext uri="{BB962C8B-B14F-4D97-AF65-F5344CB8AC3E}">
-        <p14:creationId xmlns:p14="http://schemas.microsoft.com/office/powerpoint/2010/main" val="4247249526"/>
-      </p:ext>
-    </p:extLst>
-  </p:cSld>
-  <p:clrMapOvr>
-    <a:masterClrMapping/>
-  </p:clrMapOvr>
-</p:sld>
-</file>
-
-<file path=ppt/slides/slide12.xml><?xml version="1.0" encoding="utf-8"?>
-<p:sld xmlns:a="http://schemas.openxmlformats.org/drawingml/2006/main" xmlns:r="http://schemas.openxmlformats.org/officeDocument/2006/relationships" xmlns:p="http://schemas.openxmlformats.org/presentationml/2006/main">
-  <p:cSld>
-    <p:spTree>
-      <p:nvGrpSpPr>
-        <p:cNvPr id="1" name=""/>
-        <p:cNvGrpSpPr/>
-        <p:nvPr/>
-      </p:nvGrpSpPr>
-      <p:grpSpPr>
-        <a:xfrm>
-          <a:off x="0" y="0"/>
-          <a:ext cx="0" cy="0"/>
-          <a:chOff x="0" y="0"/>
-          <a:chExt cx="0" cy="0"/>
-        </a:xfrm>
-      </p:grpSpPr>
-      <p:sp>
-        <p:nvSpPr>
-          <p:cNvPr id="2" name="Title 1">
-            <a:extLst>
-              <a:ext uri="{FF2B5EF4-FFF2-40B4-BE49-F238E27FC236}">
                 <a16:creationId xmlns:a16="http://schemas.microsoft.com/office/drawing/2014/main" id="{0715298A-8C5D-452E-5002-71ABB35AC4B9}"/>
               </a:ext>
             </a:extLst>
@@ -6124,7 +5977,7 @@
 </p:sld>
 </file>
 
-<file path=ppt/slides/slide13.xml><?xml version="1.0" encoding="utf-8"?>
+<file path=ppt/slides/slide12.xml><?xml version="1.0" encoding="utf-8"?>
 <p:sld xmlns:a="http://schemas.openxmlformats.org/drawingml/2006/main" xmlns:r="http://schemas.openxmlformats.org/officeDocument/2006/relationships" xmlns:p="http://schemas.openxmlformats.org/presentationml/2006/main">
   <p:cSld>
     <p:spTree>
@@ -6327,11 +6180,20 @@
             </a:pPr>
             <a:r>
               <a:rPr lang="en-US" sz="1600" dirty="0"/>
-              <a:t>COVID-19 </a:t>
+              <a:t>COVID-19 symptoms </a:t>
             </a:r>
             <a:r>
               <a:rPr lang="en-AU" sz="1600" dirty="0"/>
-              <a:t>can range from mild to severe, with some individuals remaining asymptomatic. Severe cases can lead to pneumonia, acute respiratory distress syndrome (ARDS), organ failure, and death, particularly in older adults and those with underlying health conditions. </a:t>
+              <a:t>can range from mild to severe, with some people remaining asymptomatic. Severe cases can lead to pneumonia, acute respiratory distress syndrome (ARDS), organ failure, and death.</a:t>
+            </a:r>
+          </a:p>
+          <a:p>
+            <a:pPr marL="0" indent="0">
+              <a:buNone/>
+            </a:pPr>
+            <a:r>
+              <a:rPr lang="en-AU" sz="1600" dirty="0"/>
+              <a:t> </a:t>
             </a:r>
             <a:endParaRPr lang="en-US" sz="1600" b="1" dirty="0"/>
           </a:p>
@@ -6353,7 +6215,7 @@
             </a:pPr>
             <a:r>
               <a:rPr lang="en-AU" sz="1600" dirty="0"/>
-              <a:t>Several COVID-19 vaccines have been developed and authorized for emergency use around the world. Vaccination efforts aim to achieve herd immunity and reduce the spread of the virus.</a:t>
+              <a:t>Several COVID-19 vaccines were developed and authorized for emergency use around the world. Vaccination efforts aim to achieve herd immunity and reduce the spread of the virus.</a:t>
             </a:r>
           </a:p>
           <a:p>
@@ -6377,7 +6239,7 @@
             </a:pPr>
             <a:r>
               <a:rPr lang="en-AU" sz="1600" dirty="0"/>
-              <a:t>Variants of the SARS-CoV-2 virus have emerged, some of which may have different transmission rates or resistance to immunity generated by vaccination or previous. </a:t>
+              <a:t>Multiple variants of the SARS-CoV-2 virus have emerged since 2020, some of which have different transmission rates or resistance to immunity generated by previous vaccinations. </a:t>
             </a:r>
             <a:endParaRPr lang="en-US" sz="1600" dirty="0"/>
           </a:p>
@@ -6419,7 +6281,7 @@
           <a:p>
             <a:r>
               <a:rPr lang="en-US" dirty="0"/>
-              <a:t>COVID-19 is a viral respiratory illness caused by the coronavirus (SARA-CoV-2)</a:t>
+              <a:t>COVID-19 is a viral respiratory illness caused by the coronavirus (SARS-CoV-2)</a:t>
             </a:r>
           </a:p>
           <a:p>
@@ -6584,7 +6446,7 @@
                 <a:effectLst/>
                 <a:latin typeface="-apple-system"/>
               </a:rPr>
-              <a:t>World Bank – GDP </a:t>
+              <a:t>World Bank  (using API requests) – GDP </a:t>
             </a:r>
             <a:r>
               <a:rPr lang="en-US" dirty="0">
@@ -6642,7 +6504,13 @@
                 <a:effectLst/>
                 <a:latin typeface="-apple-system"/>
               </a:rPr>
-              <a:t>1. How have COVID-19 vaccines affected? (world comparison)?</a:t>
+              <a:t>1. </a:t>
+            </a:r>
+            <a:r>
+              <a:rPr lang="en-US" dirty="0">
+                <a:latin typeface="-apple-system"/>
+              </a:rPr>
+              <a:t>How have COVID-19 vaccinations affected ICU patient admissions, confirmed cases and mortality rates?</a:t>
             </a:r>
           </a:p>
           <a:p>
@@ -7154,7 +7022,7 @@
           <p:cNvPr id="2" name="Title 1">
             <a:extLst>
               <a:ext uri="{FF2B5EF4-FFF2-40B4-BE49-F238E27FC236}">
-                <a16:creationId xmlns:a16="http://schemas.microsoft.com/office/drawing/2014/main" id="{89A1EBC6-F8F3-3225-4BA3-0A831F53DA9E}"/>
+                <a16:creationId xmlns:a16="http://schemas.microsoft.com/office/drawing/2014/main" id="{08FFFF5B-1001-7C97-4B18-D1B91C14C418}"/>
               </a:ext>
             </a:extLst>
           </p:cNvPr>
@@ -7167,8 +7035,8 @@
         </p:nvSpPr>
         <p:spPr>
           <a:xfrm>
-            <a:off x="810000" y="146304"/>
-            <a:ext cx="10571998" cy="1737360"/>
+            <a:off x="810000" y="64008"/>
+            <a:ext cx="10571998" cy="1819656"/>
           </a:xfrm>
         </p:spPr>
         <p:txBody>
@@ -7191,7 +7059,7 @@
           <p:cNvPr id="3" name="Content Placeholder 2">
             <a:extLst>
               <a:ext uri="{FF2B5EF4-FFF2-40B4-BE49-F238E27FC236}">
-                <a16:creationId xmlns:a16="http://schemas.microsoft.com/office/drawing/2014/main" id="{C1A7D8C7-442A-32FA-7E02-FE40A424D02F}"/>
+                <a16:creationId xmlns:a16="http://schemas.microsoft.com/office/drawing/2014/main" id="{A5AF982E-2BFF-408A-EF36-3C95B1130AA5}"/>
               </a:ext>
             </a:extLst>
           </p:cNvPr>
@@ -7214,7 +7082,7 @@
     </p:spTree>
     <p:extLst>
       <p:ext uri="{BB962C8B-B14F-4D97-AF65-F5344CB8AC3E}">
-        <p14:creationId xmlns:p14="http://schemas.microsoft.com/office/powerpoint/2010/main" val="3237874305"/>
+        <p14:creationId xmlns:p14="http://schemas.microsoft.com/office/powerpoint/2010/main" val="4086571256"/>
       </p:ext>
     </p:extLst>
   </p:cSld>
@@ -7246,7 +7114,7 @@
           <p:cNvPr id="2" name="Title 1">
             <a:extLst>
               <a:ext uri="{FF2B5EF4-FFF2-40B4-BE49-F238E27FC236}">
-                <a16:creationId xmlns:a16="http://schemas.microsoft.com/office/drawing/2014/main" id="{08FFFF5B-1001-7C97-4B18-D1B91C14C418}"/>
+                <a16:creationId xmlns:a16="http://schemas.microsoft.com/office/drawing/2014/main" id="{5F142D92-9857-3B9E-A9E0-7E53D2015EED}"/>
               </a:ext>
             </a:extLst>
           </p:cNvPr>
@@ -7257,12 +7125,7 @@
             <p:ph type="title"/>
           </p:nvPr>
         </p:nvSpPr>
-        <p:spPr>
-          <a:xfrm>
-            <a:off x="810000" y="64008"/>
-            <a:ext cx="10571998" cy="1819656"/>
-          </a:xfrm>
-        </p:spPr>
+        <p:spPr/>
         <p:txBody>
           <a:bodyPr/>
           <a:lstStyle/>
@@ -7272,7 +7135,7 @@
                 <a:effectLst/>
                 <a:latin typeface="-apple-system"/>
               </a:rPr>
-              <a:t>Does a difference in Gross Domestic Product (GDP) Per Capita affect COVID-19 cases (using World Bank API)?</a:t>
+              <a:t>Did lockdowns have an effect?</a:t>
             </a:r>
             <a:endParaRPr lang="en-US" dirty="0"/>
           </a:p>
@@ -7283,7 +7146,7 @@
           <p:cNvPr id="3" name="Content Placeholder 2">
             <a:extLst>
               <a:ext uri="{FF2B5EF4-FFF2-40B4-BE49-F238E27FC236}">
-                <a16:creationId xmlns:a16="http://schemas.microsoft.com/office/drawing/2014/main" id="{A5AF982E-2BFF-408A-EF36-3C95B1130AA5}"/>
+                <a16:creationId xmlns:a16="http://schemas.microsoft.com/office/drawing/2014/main" id="{823D28C1-D4EE-3614-2BB9-EC3B9143A6ED}"/>
               </a:ext>
             </a:extLst>
           </p:cNvPr>
@@ -7306,7 +7169,7 @@
     </p:spTree>
     <p:extLst>
       <p:ext uri="{BB962C8B-B14F-4D97-AF65-F5344CB8AC3E}">
-        <p14:creationId xmlns:p14="http://schemas.microsoft.com/office/powerpoint/2010/main" val="4086571256"/>
+        <p14:creationId xmlns:p14="http://schemas.microsoft.com/office/powerpoint/2010/main" val="1477101770"/>
       </p:ext>
     </p:extLst>
   </p:cSld>
@@ -7338,7 +7201,7 @@
           <p:cNvPr id="2" name="Title 1">
             <a:extLst>
               <a:ext uri="{FF2B5EF4-FFF2-40B4-BE49-F238E27FC236}">
-                <a16:creationId xmlns:a16="http://schemas.microsoft.com/office/drawing/2014/main" id="{5F142D92-9857-3B9E-A9E0-7E53D2015EED}"/>
+                <a16:creationId xmlns:a16="http://schemas.microsoft.com/office/drawing/2014/main" id="{E41FFD0F-ACC8-F56C-61DA-EBE9F057C601}"/>
               </a:ext>
             </a:extLst>
           </p:cNvPr>
@@ -7359,41 +7222,100 @@
                 <a:effectLst/>
                 <a:latin typeface="-apple-system"/>
               </a:rPr>
-              <a:t>Did lockdowns have an effect?</a:t>
-            </a:r>
-            <a:endParaRPr lang="en-US" dirty="0"/>
-          </a:p>
-        </p:txBody>
-      </p:sp>
-      <p:sp>
-        <p:nvSpPr>
-          <p:cNvPr id="3" name="Content Placeholder 2">
+              <a:t>Were the COVID-19 vaccinations effective in Australia?</a:t>
+            </a:r>
+            <a:endParaRPr lang="en-US" dirty="0"/>
+          </a:p>
+        </p:txBody>
+      </p:sp>
+      <p:pic>
+        <p:nvPicPr>
+          <p:cNvPr id="24" name="Content Placeholder 23" descr="A graph of the spread of the coronavirus&#10;&#10;Description automatically generated">
             <a:extLst>
               <a:ext uri="{FF2B5EF4-FFF2-40B4-BE49-F238E27FC236}">
-                <a16:creationId xmlns:a16="http://schemas.microsoft.com/office/drawing/2014/main" id="{823D28C1-D4EE-3614-2BB9-EC3B9143A6ED}"/>
+                <a16:creationId xmlns:a16="http://schemas.microsoft.com/office/drawing/2014/main" id="{EF096249-9B31-4056-FBD0-31C2758377CA}"/>
               </a:ext>
             </a:extLst>
           </p:cNvPr>
-          <p:cNvSpPr>
-            <a:spLocks noGrp="1"/>
-          </p:cNvSpPr>
+          <p:cNvPicPr>
+            <a:picLocks noGrp="1" noChangeAspect="1"/>
+          </p:cNvPicPr>
           <p:nvPr>
             <p:ph idx="1"/>
           </p:nvPr>
-        </p:nvSpPr>
-        <p:spPr/>
-        <p:txBody>
-          <a:bodyPr/>
-          <a:lstStyle/>
-          <a:p>
-            <a:endParaRPr lang="en-US"/>
+        </p:nvPicPr>
+        <p:blipFill>
+          <a:blip r:embed="rId2"/>
+          <a:stretch>
+            <a:fillRect/>
+          </a:stretch>
+        </p:blipFill>
+        <p:spPr>
+          <a:xfrm>
+            <a:off x="2990088" y="1920748"/>
+            <a:ext cx="9201912" cy="4873244"/>
+          </a:xfrm>
+        </p:spPr>
+      </p:pic>
+      <p:sp>
+        <p:nvSpPr>
+          <p:cNvPr id="25" name="TextBox 24">
+            <a:extLst>
+              <a:ext uri="{FF2B5EF4-FFF2-40B4-BE49-F238E27FC236}">
+                <a16:creationId xmlns:a16="http://schemas.microsoft.com/office/drawing/2014/main" id="{3C114A6D-0AA4-DF02-C16E-E384F8B7E884}"/>
+              </a:ext>
+            </a:extLst>
+          </p:cNvPr>
+          <p:cNvSpPr txBox="1"/>
+          <p:nvPr/>
+        </p:nvSpPr>
+        <p:spPr>
+          <a:xfrm>
+            <a:off x="365760" y="3236551"/>
+            <a:ext cx="2203704" cy="2031325"/>
+          </a:xfrm>
+          <a:prstGeom prst="rect">
+            <a:avLst/>
+          </a:prstGeom>
+          <a:noFill/>
+        </p:spPr>
+        <p:txBody>
+          <a:bodyPr wrap="square" rtlCol="0">
+            <a:spAutoFit/>
+          </a:bodyPr>
+          <a:lstStyle/>
+          <a:p>
+            <a:r>
+              <a:rPr lang="en-US" b="1" dirty="0"/>
+              <a:t>Key Messages</a:t>
+            </a:r>
+          </a:p>
+          <a:p>
+            <a:pPr marL="285750" indent="-285750">
+              <a:buFont typeface="Arial" panose="020B0604020202020204" pitchFamily="34" charset="0"/>
+              <a:buChar char="•"/>
+            </a:pPr>
+            <a:r>
+              <a:rPr lang="en-US" dirty="0"/>
+              <a:t>7 waves identified</a:t>
+            </a:r>
+          </a:p>
+          <a:p>
+            <a:pPr marL="285750" indent="-285750">
+              <a:buFont typeface="Arial" panose="020B0604020202020204" pitchFamily="34" charset="0"/>
+              <a:buChar char="•"/>
+            </a:pPr>
+            <a:r>
+              <a:rPr lang="en-US" dirty="0"/>
+              <a:t>Each wave is associated with Peak New Deaths</a:t>
+            </a:r>
           </a:p>
         </p:txBody>
       </p:sp>
     </p:spTree>
     <p:extLst>
       <p:ext uri="{BB962C8B-B14F-4D97-AF65-F5344CB8AC3E}">
-        <p14:creationId xmlns:p14="http://schemas.microsoft.com/office/powerpoint/2010/main" val="1477101770"/>
+        <p14:creationId xmlns:p14="http://schemas.microsoft.com/office/powerpoint/2010/main" val="319259423"/>
       </p:ext>
     </p:extLst>
   </p:cSld>

--- a/Covid19_Presentation_Final.pptx
+++ b/Covid19_Presentation_Final.pptx
@@ -10,13 +10,12 @@
     <p:sldId id="257" r:id="rId4"/>
     <p:sldId id="258" r:id="rId5"/>
     <p:sldId id="259" r:id="rId6"/>
-    <p:sldId id="260" r:id="rId7"/>
+    <p:sldId id="264" r:id="rId7"/>
     <p:sldId id="269" r:id="rId8"/>
-    <p:sldId id="263" r:id="rId9"/>
-    <p:sldId id="264" r:id="rId10"/>
-    <p:sldId id="267" r:id="rId11"/>
-    <p:sldId id="268" r:id="rId12"/>
-    <p:sldId id="266" r:id="rId13"/>
+    <p:sldId id="260" r:id="rId9"/>
+    <p:sldId id="267" r:id="rId10"/>
+    <p:sldId id="268" r:id="rId11"/>
+    <p:sldId id="266" r:id="rId12"/>
   </p:sldIdLst>
   <p:sldSz cx="12192000" cy="6858000"/>
   <p:notesSz cx="6858000" cy="9144000"/>
@@ -218,7 +217,7 @@
           <a:effectLst/>
           <a:extLst>
             <a:ext uri="{91240B29-F687-4f45-9708-019B960494DF}">
-              <a14:hiddenLine xmlns="" xmlns:a14="http://schemas.microsoft.com/office/drawing/2010/main" w="9525">
+              <a14:hiddenLine xmlns:a14="http://schemas.microsoft.com/office/drawing/2010/main" xmlns="" w="9525">
                 <a:solidFill>
                   <a:srgbClr val="000000"/>
                 </a:solidFill>
@@ -411,7 +410,7 @@
             <a:fld id="{08B9EBBA-996F-894A-B54A-D6246ED52CEA}" type="datetimeFigureOut">
               <a:rPr lang="en-US" smtClean="0"/>
               <a:pPr/>
-              <a:t>9/6/23</a:t>
+              <a:t>9/7/2023</a:t>
             </a:fld>
             <a:endParaRPr lang="en-US" dirty="0"/>
           </a:p>
@@ -731,7 +730,7 @@
             <a:fld id="{18C79C5D-2A6F-F04D-97DA-BEF2467B64E4}" type="datetimeFigureOut">
               <a:rPr lang="en-US" smtClean="0"/>
               <a:pPr/>
-              <a:t>9/6/23</a:t>
+              <a:t>9/7/2023</a:t>
             </a:fld>
             <a:endParaRPr lang="en-US" dirty="0"/>
           </a:p>
@@ -1221,7 +1220,7 @@
             <a:fld id="{8DFA1846-DA80-1C48-A609-854EA85C59AD}" type="datetimeFigureOut">
               <a:rPr lang="en-US" smtClean="0"/>
               <a:pPr/>
-              <a:t>9/6/23</a:t>
+              <a:t>9/7/2023</a:t>
             </a:fld>
             <a:endParaRPr lang="en-US" dirty="0"/>
           </a:p>
@@ -1592,7 +1591,7 @@
             <a:fld id="{FBF54567-0DE4-3F47-BF90-CB84690072F9}" type="datetimeFigureOut">
               <a:rPr lang="en-US" smtClean="0"/>
               <a:pPr/>
-              <a:t>9/6/23</a:t>
+              <a:t>9/7/2023</a:t>
             </a:fld>
             <a:endParaRPr lang="en-US" dirty="0"/>
           </a:p>
@@ -1748,7 +1747,7 @@
           <a:ln/>
           <a:extLst>
             <a:ext uri="{91240B29-F687-4f45-9708-019B960494DF}">
-              <a14:hiddenLine xmlns="" xmlns:a14="http://schemas.microsoft.com/office/drawing/2010/main" w="9525">
+              <a14:hiddenLine xmlns:a14="http://schemas.microsoft.com/office/drawing/2010/main" xmlns="" w="9525">
                 <a:solidFill>
                   <a:srgbClr val="000000"/>
                 </a:solidFill>
@@ -1867,7 +1866,7 @@
             <a:fld id="{C6C52C72-DE31-F449-A4ED-4C594FD91407}" type="datetimeFigureOut">
               <a:rPr lang="en-US" smtClean="0"/>
               <a:pPr/>
-              <a:t>9/6/23</a:t>
+              <a:t>9/7/2023</a:t>
             </a:fld>
             <a:endParaRPr lang="en-US" dirty="0"/>
           </a:p>
@@ -2025,7 +2024,7 @@
           <a:ln/>
           <a:extLst>
             <a:ext uri="{91240B29-F687-4f45-9708-019B960494DF}">
-              <a14:hiddenLine xmlns="" xmlns:a14="http://schemas.microsoft.com/office/drawing/2010/main" w="9525">
+              <a14:hiddenLine xmlns:a14="http://schemas.microsoft.com/office/drawing/2010/main" xmlns="" w="9525">
                 <a:solidFill>
                   <a:srgbClr val="000000"/>
                 </a:solidFill>
@@ -2154,7 +2153,7 @@
             <a:fld id="{ED62726E-379B-B349-9EED-81ED093FA806}" type="datetimeFigureOut">
               <a:rPr lang="en-US" smtClean="0"/>
               <a:pPr/>
-              <a:t>9/6/23</a:t>
+              <a:t>9/7/2023</a:t>
             </a:fld>
             <a:endParaRPr lang="en-US" dirty="0"/>
           </a:p>
@@ -2310,7 +2309,7 @@
           <a:ln/>
           <a:extLst>
             <a:ext uri="{91240B29-F687-4f45-9708-019B960494DF}">
-              <a14:hiddenLine xmlns="" xmlns:a14="http://schemas.microsoft.com/office/drawing/2010/main" w="9525">
+              <a14:hiddenLine xmlns:a14="http://schemas.microsoft.com/office/drawing/2010/main" xmlns="" w="9525">
                 <a:solidFill>
                   <a:srgbClr val="000000"/>
                 </a:solidFill>
@@ -2439,7 +2438,7 @@
             <a:fld id="{9B3A1323-8D79-1946-B0D7-40001CF92E9D}" type="datetimeFigureOut">
               <a:rPr lang="en-US" smtClean="0"/>
               <a:pPr/>
-              <a:t>9/6/23</a:t>
+              <a:t>9/7/2023</a:t>
             </a:fld>
             <a:endParaRPr lang="en-US" dirty="0"/>
           </a:p>
@@ -2784,7 +2783,7 @@
             <a:fld id="{8DFA1846-DA80-1C48-A609-854EA85C59AD}" type="datetimeFigureOut">
               <a:rPr lang="en-US" smtClean="0"/>
               <a:pPr/>
-              <a:t>9/6/23</a:t>
+              <a:t>9/7/2023</a:t>
             </a:fld>
             <a:endParaRPr lang="en-US" dirty="0"/>
           </a:p>
@@ -2940,7 +2939,7 @@
           <a:ln/>
           <a:extLst>
             <a:ext uri="{91240B29-F687-4f45-9708-019B960494DF}">
-              <a14:hiddenLine xmlns="" xmlns:a14="http://schemas.microsoft.com/office/drawing/2010/main" w="9525">
+              <a14:hiddenLine xmlns:a14="http://schemas.microsoft.com/office/drawing/2010/main" xmlns="" w="9525">
                 <a:solidFill>
                   <a:srgbClr val="000000"/>
                 </a:solidFill>
@@ -3125,7 +3124,7 @@
             <a:fld id="{57302355-E14B-8545-A8F8-0FE83CC9D524}" type="datetimeFigureOut">
               <a:rPr lang="en-US" smtClean="0"/>
               <a:pPr/>
-              <a:t>9/6/23</a:t>
+              <a:t>9/7/2023</a:t>
             </a:fld>
             <a:endParaRPr lang="en-US" dirty="0"/>
           </a:p>
@@ -3281,7 +3280,7 @@
           <a:ln/>
           <a:extLst>
             <a:ext uri="{91240B29-F687-4f45-9708-019B960494DF}">
-              <a14:hiddenLine xmlns="" xmlns:a14="http://schemas.microsoft.com/office/drawing/2010/main" w="9525">
+              <a14:hiddenLine xmlns:a14="http://schemas.microsoft.com/office/drawing/2010/main" xmlns="" w="9525">
                 <a:solidFill>
                   <a:srgbClr val="000000"/>
                 </a:solidFill>
@@ -3604,7 +3603,7 @@
             <a:fld id="{02640F58-564D-2B4F-AE67-E407BA4FCF45}" type="datetimeFigureOut">
               <a:rPr lang="en-US" smtClean="0"/>
               <a:pPr/>
-              <a:t>9/6/23</a:t>
+              <a:t>9/7/2023</a:t>
             </a:fld>
             <a:endParaRPr lang="en-US" dirty="0"/>
           </a:p>
@@ -3760,7 +3759,7 @@
           <a:ln/>
           <a:extLst>
             <a:ext uri="{91240B29-F687-4f45-9708-019B960494DF}">
-              <a14:hiddenLine xmlns="" xmlns:a14="http://schemas.microsoft.com/office/drawing/2010/main" w="9525">
+              <a14:hiddenLine xmlns:a14="http://schemas.microsoft.com/office/drawing/2010/main" xmlns="" w="9525">
                 <a:solidFill>
                   <a:srgbClr val="000000"/>
                 </a:solidFill>
@@ -3827,7 +3826,7 @@
             <a:fld id="{F13A34C8-038E-2045-AF43-DF7DBB8E0E9E}" type="datetimeFigureOut">
               <a:rPr lang="en-US" smtClean="0"/>
               <a:pPr/>
-              <a:t>9/6/23</a:t>
+              <a:t>9/7/2023</a:t>
             </a:fld>
             <a:endParaRPr lang="en-US" dirty="0"/>
           </a:p>
@@ -3924,7 +3923,7 @@
             <a:fld id="{8818C68F-D26B-8F47-958C-23B49CF8A634}" type="datetimeFigureOut">
               <a:rPr lang="en-US" smtClean="0"/>
               <a:pPr/>
-              <a:t>9/6/23</a:t>
+              <a:t>9/7/2023</a:t>
             </a:fld>
             <a:endParaRPr lang="en-US" dirty="0"/>
           </a:p>
@@ -4193,7 +4192,7 @@
           <a:ln/>
           <a:extLst>
             <a:ext uri="{91240B29-F687-4f45-9708-019B960494DF}">
-              <a14:hiddenLine xmlns="" xmlns:a14="http://schemas.microsoft.com/office/drawing/2010/main" w="9525">
+              <a14:hiddenLine xmlns:a14="http://schemas.microsoft.com/office/drawing/2010/main" xmlns="" w="9525">
                 <a:solidFill>
                   <a:srgbClr val="000000"/>
                 </a:solidFill>
@@ -4393,7 +4392,7 @@
             <a:fld id="{D0DF5E60-9974-AC48-9591-99C2BB44B7CF}" type="datetimeFigureOut">
               <a:rPr lang="en-US" smtClean="0"/>
               <a:pPr/>
-              <a:t>9/6/23</a:t>
+              <a:t>9/7/2023</a:t>
             </a:fld>
             <a:endParaRPr lang="en-US" dirty="0"/>
           </a:p>
@@ -4708,7 +4707,7 @@
             <a:fld id="{18C79C5D-2A6F-F04D-97DA-BEF2467B64E4}" type="datetimeFigureOut">
               <a:rPr lang="en-US" smtClean="0"/>
               <a:pPr/>
-              <a:t>9/6/23</a:t>
+              <a:t>9/7/2023</a:t>
             </a:fld>
             <a:endParaRPr lang="en-US" dirty="0"/>
           </a:p>
@@ -4980,7 +4979,7 @@
             <a:fld id="{09B482E8-6E0E-1B4F-B1FD-C69DB9E858D9}" type="datetimeFigureOut">
               <a:rPr lang="en-US" smtClean="0"/>
               <a:pPr/>
-              <a:t>9/6/23</a:t>
+              <a:t>9/7/2023</a:t>
             </a:fld>
             <a:endParaRPr lang="en-US" dirty="0"/>
           </a:p>
@@ -5545,7 +5544,7 @@
           <p:cNvPr id="2" name="Title 1">
             <a:extLst>
               <a:ext uri="{FF2B5EF4-FFF2-40B4-BE49-F238E27FC236}">
-                <a16:creationId xmlns:a16="http://schemas.microsoft.com/office/drawing/2014/main" id="{9CF13DC5-8485-0C55-08D7-A9F25BCD08B9}"/>
+                <a16:creationId xmlns:a16="http://schemas.microsoft.com/office/drawing/2014/main" id="{0715298A-8C5D-452E-5002-71ABB35AC4B9}"/>
               </a:ext>
             </a:extLst>
           </p:cNvPr>
@@ -5561,32 +5560,227 @@
           <a:bodyPr/>
           <a:lstStyle/>
           <a:p>
+            <a:pPr marL="0" indent="0">
+              <a:buNone/>
+            </a:pPr>
             <a:r>
               <a:rPr lang="en-US" i="0" dirty="0">
                 <a:effectLst/>
                 <a:latin typeface="-apple-system"/>
               </a:rPr>
-              <a:t>Were the COVID-19 vaccinations effective in Australia?</a:t>
-            </a:r>
-            <a:endParaRPr lang="en-US" dirty="0"/>
+              <a:t>How effective were the different types of vaccinations?</a:t>
+            </a:r>
+            <a:endParaRPr lang="en-US" dirty="0"/>
+          </a:p>
+        </p:txBody>
+      </p:sp>
+      <p:sp>
+        <p:nvSpPr>
+          <p:cNvPr id="5" name="TextBox 4">
+            <a:extLst>
+              <a:ext uri="{FF2B5EF4-FFF2-40B4-BE49-F238E27FC236}">
+                <a16:creationId xmlns:a16="http://schemas.microsoft.com/office/drawing/2014/main" id="{F476ECD6-EAD5-3E27-FE4F-23E279C34DFC}"/>
+              </a:ext>
+            </a:extLst>
+          </p:cNvPr>
+          <p:cNvSpPr txBox="1"/>
+          <p:nvPr/>
+        </p:nvSpPr>
+        <p:spPr>
+          <a:xfrm>
+            <a:off x="1" y="2159666"/>
+            <a:ext cx="5747656" cy="3970318"/>
+          </a:xfrm>
+          <a:prstGeom prst="rect">
+            <a:avLst/>
+          </a:prstGeom>
+          <a:noFill/>
+          <a:ln>
+            <a:noFill/>
+          </a:ln>
+        </p:spPr>
+        <p:txBody>
+          <a:bodyPr wrap="square" rtlCol="0">
+            <a:spAutoFit/>
+          </a:bodyPr>
+          <a:lstStyle/>
+          <a:p>
+            <a:r>
+              <a:rPr lang="en-AU" sz="1400" b="1" dirty="0"/>
+              <a:t>Key Messages:</a:t>
+            </a:r>
+          </a:p>
+          <a:p>
+            <a:pPr marL="285750" indent="-285750">
+              <a:buFont typeface="Arial" panose="020B0604020202020204" pitchFamily="34" charset="0"/>
+              <a:buChar char="•"/>
+            </a:pPr>
+            <a:r>
+              <a:rPr lang="en-AU" sz="1400" dirty="0"/>
+              <a:t>Different vaccinations being used(from news media): </a:t>
+            </a:r>
+          </a:p>
+          <a:p>
+            <a:pPr marL="742950" lvl="1" indent="-285750">
+              <a:buFont typeface="Arial" panose="020B0604020202020204" pitchFamily="34" charset="0"/>
+              <a:buChar char="•"/>
+            </a:pPr>
+            <a:r>
+              <a:rPr lang="en-AU" sz="1400" dirty="0"/>
+              <a:t>Australia (</a:t>
+            </a:r>
+            <a:r>
+              <a:rPr lang="en-AU" sz="1400" dirty="0" err="1"/>
+              <a:t>AstraZ</a:t>
+            </a:r>
+            <a:r>
+              <a:rPr lang="en-AU" sz="1400" dirty="0"/>
+              <a:t>, Moderna, Pfizer)</a:t>
+            </a:r>
+          </a:p>
+          <a:p>
+            <a:pPr marL="742950" lvl="1" indent="-285750">
+              <a:buFont typeface="Arial" panose="020B0604020202020204" pitchFamily="34" charset="0"/>
+              <a:buChar char="•"/>
+            </a:pPr>
+            <a:r>
+              <a:rPr lang="en-AU" sz="1400" dirty="0"/>
+              <a:t>China (</a:t>
+            </a:r>
+            <a:r>
+              <a:rPr lang="en-AU" sz="1400" dirty="0" err="1"/>
+              <a:t>SinoVac</a:t>
+            </a:r>
+            <a:r>
+              <a:rPr lang="en-AU" sz="1400" dirty="0"/>
+              <a:t> &amp; </a:t>
+            </a:r>
+            <a:r>
+              <a:rPr lang="en-AU" sz="1400" dirty="0" err="1"/>
+              <a:t>SinoPharm</a:t>
+            </a:r>
+            <a:r>
+              <a:rPr lang="en-AU" sz="1400" dirty="0"/>
+              <a:t>)</a:t>
+            </a:r>
+          </a:p>
+          <a:p>
+            <a:pPr marL="742950" lvl="1" indent="-285750">
+              <a:buFont typeface="Arial" panose="020B0604020202020204" pitchFamily="34" charset="0"/>
+              <a:buChar char="•"/>
+            </a:pPr>
+            <a:r>
+              <a:rPr lang="en-AU" sz="1400" dirty="0"/>
+              <a:t>Israel (Pfizer)</a:t>
+            </a:r>
+          </a:p>
+          <a:p>
+            <a:r>
+              <a:rPr lang="en-AU" sz="1400" b="1" dirty="0"/>
+              <a:t>Different Doses Program.</a:t>
+            </a:r>
+          </a:p>
+          <a:p>
+            <a:pPr marL="285750" indent="-285750">
+              <a:buFont typeface="Arial" panose="020B0604020202020204" pitchFamily="34" charset="0"/>
+              <a:buChar char="•"/>
+            </a:pPr>
+            <a:r>
+              <a:rPr lang="en-AU" sz="1400" dirty="0"/>
+              <a:t>Australia: ramped up vaccination for over one year with up to 80%.</a:t>
+            </a:r>
+          </a:p>
+          <a:p>
+            <a:pPr marL="285750" indent="-285750">
+              <a:buFont typeface="Arial" panose="020B0604020202020204" pitchFamily="34" charset="0"/>
+              <a:buChar char="•"/>
+            </a:pPr>
+            <a:r>
+              <a:rPr lang="en-AU" sz="1400" dirty="0"/>
+              <a:t>China: Rapid vaccinations over 1.5 years. Up to 90%.</a:t>
+            </a:r>
+          </a:p>
+          <a:p>
+            <a:pPr marL="285750" indent="-285750">
+              <a:buFont typeface="Arial" panose="020B0604020202020204" pitchFamily="34" charset="0"/>
+              <a:buChar char="•"/>
+            </a:pPr>
+            <a:r>
+              <a:rPr lang="en-AU" sz="1400" dirty="0"/>
+              <a:t>Israel: Earliest to vaccinate and maintained relatively lower vaccination rates (65%) over 2.5 years.</a:t>
+            </a:r>
+          </a:p>
+          <a:p>
+            <a:pPr marL="285750" indent="-285750">
+              <a:buFont typeface="Arial" panose="020B0604020202020204" pitchFamily="34" charset="0"/>
+              <a:buChar char="•"/>
+            </a:pPr>
+            <a:endParaRPr lang="en-AU" sz="1400" dirty="0"/>
+          </a:p>
+          <a:p>
+            <a:r>
+              <a:rPr lang="en-AU" sz="1400" b="1" dirty="0"/>
+              <a:t>Result:</a:t>
+            </a:r>
+          </a:p>
+          <a:p>
+            <a:pPr marL="285750" indent="-285750">
+              <a:buFont typeface="Arial" panose="020B0604020202020204" pitchFamily="34" charset="0"/>
+              <a:buChar char="•"/>
+            </a:pPr>
+            <a:r>
+              <a:rPr lang="en-AU" sz="1400" dirty="0"/>
+              <a:t>Australia: the vaccination seem to work.</a:t>
+            </a:r>
+          </a:p>
+          <a:p>
+            <a:pPr marL="285750" indent="-285750">
+              <a:buFont typeface="Arial" panose="020B0604020202020204" pitchFamily="34" charset="0"/>
+              <a:buChar char="•"/>
+            </a:pPr>
+            <a:r>
+              <a:rPr lang="en-AU" sz="1400" dirty="0"/>
+              <a:t>China: worked initially but had a spike at the end of 2022 with </a:t>
+            </a:r>
+            <a:r>
+              <a:rPr lang="en-AU" sz="1400" dirty="0" err="1"/>
+              <a:t>Omnicron</a:t>
+            </a:r>
+            <a:endParaRPr lang="en-AU" sz="1400" dirty="0"/>
+          </a:p>
+          <a:p>
+            <a:pPr marL="285750" indent="-285750">
+              <a:buFont typeface="Arial" panose="020B0604020202020204" pitchFamily="34" charset="0"/>
+              <a:buChar char="•"/>
+            </a:pPr>
+            <a:r>
+              <a:rPr lang="en-AU" sz="1400" dirty="0"/>
+              <a:t>Israel: Seem to work but not protected against </a:t>
+            </a:r>
+            <a:r>
+              <a:rPr lang="en-AU" sz="1400" dirty="0" err="1"/>
+              <a:t>Omnicron</a:t>
+            </a:r>
+            <a:r>
+              <a:rPr lang="en-AU" sz="1400" dirty="0"/>
+              <a:t> (Jan-2022)</a:t>
+            </a:r>
           </a:p>
         </p:txBody>
       </p:sp>
       <p:pic>
         <p:nvPicPr>
-          <p:cNvPr id="4" name="Content Placeholder 3">
+          <p:cNvPr id="6" name="Picture 5">
             <a:extLst>
               <a:ext uri="{FF2B5EF4-FFF2-40B4-BE49-F238E27FC236}">
-                <a16:creationId xmlns:a16="http://schemas.microsoft.com/office/drawing/2014/main" id="{F889D8FE-374A-C53A-A8A5-AA3B32E756A2}"/>
+                <a16:creationId xmlns:a16="http://schemas.microsoft.com/office/drawing/2014/main" id="{F11DC56D-B3EF-F7B4-8EE8-3072489B69D4}"/>
               </a:ext>
             </a:extLst>
           </p:cNvPr>
           <p:cNvPicPr>
-            <a:picLocks noGrp="1" noChangeAspect="1"/>
+            <a:picLocks noChangeAspect="1"/>
           </p:cNvPicPr>
-          <p:nvPr>
-            <p:ph idx="1"/>
-          </p:nvPr>
+          <p:nvPr/>
         </p:nvPicPr>
         <p:blipFill>
           <a:blip r:embed="rId2"/>
@@ -5596,25 +5790,20 @@
         </p:blipFill>
         <p:spPr>
           <a:xfrm>
-            <a:off x="3017520" y="1907092"/>
-            <a:ext cx="9174480" cy="4877755"/>
+            <a:off x="6011693" y="1885544"/>
+            <a:ext cx="6180303" cy="4972455"/>
           </a:xfrm>
           <a:prstGeom prst="rect">
             <a:avLst/>
           </a:prstGeom>
-          <a:ln>
-            <a:solidFill>
-              <a:schemeClr val="accent1"/>
-            </a:solidFill>
-          </a:ln>
         </p:spPr>
       </p:pic>
       <p:sp>
         <p:nvSpPr>
-          <p:cNvPr id="5" name="TextBox 4">
+          <p:cNvPr id="9" name="TextBox 8">
             <a:extLst>
               <a:ext uri="{FF2B5EF4-FFF2-40B4-BE49-F238E27FC236}">
-                <a16:creationId xmlns:a16="http://schemas.microsoft.com/office/drawing/2014/main" id="{885C5960-B69A-252C-07DD-3DFD47F39E40}"/>
+                <a16:creationId xmlns:a16="http://schemas.microsoft.com/office/drawing/2014/main" id="{BFEB8DD6-437E-8642-A93E-4FE0DF411E87}"/>
               </a:ext>
             </a:extLst>
           </p:cNvPr>
@@ -5623,8 +5812,8 @@
         </p:nvSpPr>
         <p:spPr>
           <a:xfrm>
-            <a:off x="0" y="2333685"/>
-            <a:ext cx="3017520" cy="4524315"/>
+            <a:off x="6298747" y="2322739"/>
+            <a:ext cx="1163411" cy="369332"/>
           </a:xfrm>
           <a:prstGeom prst="rect">
             <a:avLst/>
@@ -5638,40 +5827,115 @@
           <a:lstStyle/>
           <a:p>
             <a:r>
-              <a:rPr lang="en-AU" b="1" dirty="0"/>
-              <a:t>Key Messages:</a:t>
-            </a:r>
-          </a:p>
-          <a:p>
-            <a:pPr marL="285750" indent="-285750">
-              <a:buFont typeface="Arial" panose="020B0604020202020204" pitchFamily="34" charset="0"/>
-              <a:buChar char="•"/>
-            </a:pPr>
-            <a:r>
-              <a:rPr lang="en-AU" sz="1800" dirty="0"/>
-              <a:t>Vaccination works: Drastic drop in New Cases after 2300 People Fully Vaccinated Per Hundred.  This means people have 23x vaccinations.</a:t>
-            </a:r>
-          </a:p>
-          <a:p>
-            <a:pPr marL="285750" indent="-285750">
-              <a:buFont typeface="Arial" panose="020B0604020202020204" pitchFamily="34" charset="0"/>
-              <a:buChar char="•"/>
-            </a:pPr>
-            <a:r>
-              <a:rPr lang="en-AU" sz="1800" dirty="0"/>
-              <a:t>Vaccination stopped being administered: Vaccination peaked by mid-2022 and dramatically dropped to zero.</a:t>
-            </a:r>
-            <a:endParaRPr lang="en-US" sz="1800" dirty="0"/>
-          </a:p>
-          <a:p>
-            <a:endParaRPr lang="en-US" dirty="0"/>
+              <a:rPr lang="en-AU" b="1" dirty="0">
+                <a:solidFill>
+                  <a:schemeClr val="bg1"/>
+                </a:solidFill>
+              </a:rPr>
+              <a:t>Australia</a:t>
+            </a:r>
+            <a:endParaRPr lang="en-US" b="1" dirty="0">
+              <a:solidFill>
+                <a:schemeClr val="bg1"/>
+              </a:solidFill>
+            </a:endParaRPr>
+          </a:p>
+        </p:txBody>
+      </p:sp>
+      <p:sp>
+        <p:nvSpPr>
+          <p:cNvPr id="10" name="TextBox 9">
+            <a:extLst>
+              <a:ext uri="{FF2B5EF4-FFF2-40B4-BE49-F238E27FC236}">
+                <a16:creationId xmlns:a16="http://schemas.microsoft.com/office/drawing/2014/main" id="{913F6189-47EF-4B22-3311-C72A52B53FC5}"/>
+              </a:ext>
+            </a:extLst>
+          </p:cNvPr>
+          <p:cNvSpPr txBox="1"/>
+          <p:nvPr/>
+        </p:nvSpPr>
+        <p:spPr>
+          <a:xfrm>
+            <a:off x="6247040" y="3895725"/>
+            <a:ext cx="1163411" cy="369332"/>
+          </a:xfrm>
+          <a:prstGeom prst="rect">
+            <a:avLst/>
+          </a:prstGeom>
+          <a:noFill/>
+        </p:spPr>
+        <p:txBody>
+          <a:bodyPr wrap="square" rtlCol="0">
+            <a:spAutoFit/>
+          </a:bodyPr>
+          <a:lstStyle/>
+          <a:p>
+            <a:pPr algn="ctr"/>
+            <a:r>
+              <a:rPr lang="en-AU" b="1" dirty="0">
+                <a:solidFill>
+                  <a:schemeClr val="bg1"/>
+                </a:solidFill>
+              </a:rPr>
+              <a:t>China</a:t>
+            </a:r>
+            <a:endParaRPr lang="en-US" b="1" dirty="0">
+              <a:solidFill>
+                <a:schemeClr val="bg1"/>
+              </a:solidFill>
+            </a:endParaRPr>
+          </a:p>
+        </p:txBody>
+      </p:sp>
+      <p:sp>
+        <p:nvSpPr>
+          <p:cNvPr id="11" name="TextBox 10">
+            <a:extLst>
+              <a:ext uri="{FF2B5EF4-FFF2-40B4-BE49-F238E27FC236}">
+                <a16:creationId xmlns:a16="http://schemas.microsoft.com/office/drawing/2014/main" id="{C625DBFE-83BA-BFE1-E10E-4F3DC7BD20D5}"/>
+              </a:ext>
+            </a:extLst>
+          </p:cNvPr>
+          <p:cNvSpPr txBox="1"/>
+          <p:nvPr/>
+        </p:nvSpPr>
+        <p:spPr>
+          <a:xfrm>
+            <a:off x="6185806" y="5521779"/>
+            <a:ext cx="1163411" cy="369332"/>
+          </a:xfrm>
+          <a:prstGeom prst="rect">
+            <a:avLst/>
+          </a:prstGeom>
+          <a:noFill/>
+        </p:spPr>
+        <p:txBody>
+          <a:bodyPr wrap="square" rtlCol="0">
+            <a:spAutoFit/>
+          </a:bodyPr>
+          <a:lstStyle/>
+          <a:p>
+            <a:pPr algn="ctr"/>
+            <a:r>
+              <a:rPr lang="en-AU" b="1" dirty="0">
+                <a:solidFill>
+                  <a:schemeClr val="bg1"/>
+                </a:solidFill>
+              </a:rPr>
+              <a:t>Israel</a:t>
+            </a:r>
+            <a:endParaRPr lang="en-US" b="1" dirty="0">
+              <a:solidFill>
+                <a:schemeClr val="bg1"/>
+              </a:solidFill>
+            </a:endParaRPr>
           </a:p>
         </p:txBody>
       </p:sp>
     </p:spTree>
     <p:extLst>
       <p:ext uri="{BB962C8B-B14F-4D97-AF65-F5344CB8AC3E}">
-        <p14:creationId xmlns:p14="http://schemas.microsoft.com/office/powerpoint/2010/main" val="4247249526"/>
+        <p14:creationId xmlns:p14="http://schemas.microsoft.com/office/powerpoint/2010/main" val="2119494753"/>
       </p:ext>
     </p:extLst>
   </p:cSld>
@@ -5703,302 +5967,6 @@
           <p:cNvPr id="2" name="Title 1">
             <a:extLst>
               <a:ext uri="{FF2B5EF4-FFF2-40B4-BE49-F238E27FC236}">
-                <a16:creationId xmlns:a16="http://schemas.microsoft.com/office/drawing/2014/main" id="{0715298A-8C5D-452E-5002-71ABB35AC4B9}"/>
-              </a:ext>
-            </a:extLst>
-          </p:cNvPr>
-          <p:cNvSpPr>
-            <a:spLocks noGrp="1"/>
-          </p:cNvSpPr>
-          <p:nvPr>
-            <p:ph type="title"/>
-          </p:nvPr>
-        </p:nvSpPr>
-        <p:spPr/>
-        <p:txBody>
-          <a:bodyPr/>
-          <a:lstStyle/>
-          <a:p>
-            <a:pPr marL="0" indent="0">
-              <a:buNone/>
-            </a:pPr>
-            <a:r>
-              <a:rPr lang="en-US" i="0" dirty="0">
-                <a:effectLst/>
-                <a:latin typeface="-apple-system"/>
-              </a:rPr>
-              <a:t>How effective were the different types of vaccinations?</a:t>
-            </a:r>
-            <a:endParaRPr lang="en-US" dirty="0"/>
-          </a:p>
-        </p:txBody>
-      </p:sp>
-      <p:pic>
-        <p:nvPicPr>
-          <p:cNvPr id="4" name="Content Placeholder 3">
-            <a:extLst>
-              <a:ext uri="{FF2B5EF4-FFF2-40B4-BE49-F238E27FC236}">
-                <a16:creationId xmlns:a16="http://schemas.microsoft.com/office/drawing/2014/main" id="{D46EE48F-959D-257B-C42D-2CAF97DAC0C9}"/>
-              </a:ext>
-            </a:extLst>
-          </p:cNvPr>
-          <p:cNvPicPr>
-            <a:picLocks noGrp="1" noChangeAspect="1"/>
-          </p:cNvPicPr>
-          <p:nvPr>
-            <p:ph idx="1"/>
-          </p:nvPr>
-        </p:nvPicPr>
-        <p:blipFill>
-          <a:blip r:embed="rId2"/>
-          <a:stretch>
-            <a:fillRect/>
-          </a:stretch>
-        </p:blipFill>
-        <p:spPr>
-          <a:xfrm>
-            <a:off x="4800600" y="1893316"/>
-            <a:ext cx="7391400" cy="4964684"/>
-          </a:xfrm>
-          <a:prstGeom prst="rect">
-            <a:avLst/>
-          </a:prstGeom>
-          <a:ln>
-            <a:solidFill>
-              <a:schemeClr val="accent1"/>
-            </a:solidFill>
-          </a:ln>
-        </p:spPr>
-      </p:pic>
-      <p:sp>
-        <p:nvSpPr>
-          <p:cNvPr id="5" name="TextBox 4">
-            <a:extLst>
-              <a:ext uri="{FF2B5EF4-FFF2-40B4-BE49-F238E27FC236}">
-                <a16:creationId xmlns:a16="http://schemas.microsoft.com/office/drawing/2014/main" id="{F476ECD6-EAD5-3E27-FE4F-23E279C34DFC}"/>
-              </a:ext>
-            </a:extLst>
-          </p:cNvPr>
-          <p:cNvSpPr txBox="1"/>
-          <p:nvPr/>
-        </p:nvSpPr>
-        <p:spPr>
-          <a:xfrm>
-            <a:off x="1" y="2159666"/>
-            <a:ext cx="4599432" cy="4616648"/>
-          </a:xfrm>
-          <a:prstGeom prst="rect">
-            <a:avLst/>
-          </a:prstGeom>
-          <a:noFill/>
-          <a:ln>
-            <a:noFill/>
-          </a:ln>
-        </p:spPr>
-        <p:txBody>
-          <a:bodyPr wrap="square" rtlCol="0">
-            <a:spAutoFit/>
-          </a:bodyPr>
-          <a:lstStyle/>
-          <a:p>
-            <a:r>
-              <a:rPr lang="en-AU" sz="1400" b="1" dirty="0"/>
-              <a:t>Key Messages:</a:t>
-            </a:r>
-          </a:p>
-          <a:p>
-            <a:pPr marL="285750" indent="-285750">
-              <a:buFont typeface="Arial" panose="020B0604020202020204" pitchFamily="34" charset="0"/>
-              <a:buChar char="•"/>
-            </a:pPr>
-            <a:r>
-              <a:rPr lang="en-AU" sz="1400" dirty="0"/>
-              <a:t>Different vaccinations being used(from news media): </a:t>
-            </a:r>
-          </a:p>
-          <a:p>
-            <a:pPr marL="742950" lvl="1" indent="-285750">
-              <a:buFont typeface="Arial" panose="020B0604020202020204" pitchFamily="34" charset="0"/>
-              <a:buChar char="•"/>
-            </a:pPr>
-            <a:r>
-              <a:rPr lang="en-AU" sz="1400" dirty="0"/>
-              <a:t>Australia (</a:t>
-            </a:r>
-            <a:r>
-              <a:rPr lang="en-AU" sz="1400" dirty="0" err="1"/>
-              <a:t>AstraZ</a:t>
-            </a:r>
-            <a:r>
-              <a:rPr lang="en-AU" sz="1400" dirty="0"/>
-              <a:t>, Moderna, Pfizer)</a:t>
-            </a:r>
-          </a:p>
-          <a:p>
-            <a:pPr marL="742950" lvl="1" indent="-285750">
-              <a:buFont typeface="Arial" panose="020B0604020202020204" pitchFamily="34" charset="0"/>
-              <a:buChar char="•"/>
-            </a:pPr>
-            <a:r>
-              <a:rPr lang="en-AU" sz="1400" dirty="0"/>
-              <a:t>China (</a:t>
-            </a:r>
-            <a:r>
-              <a:rPr lang="en-AU" sz="1400" dirty="0" err="1"/>
-              <a:t>SinoVac</a:t>
-            </a:r>
-            <a:r>
-              <a:rPr lang="en-AU" sz="1400" dirty="0"/>
-              <a:t> &amp; </a:t>
-            </a:r>
-            <a:r>
-              <a:rPr lang="en-AU" sz="1400" dirty="0" err="1"/>
-              <a:t>SinoPharm</a:t>
-            </a:r>
-            <a:r>
-              <a:rPr lang="en-AU" sz="1400" dirty="0"/>
-              <a:t>)</a:t>
-            </a:r>
-          </a:p>
-          <a:p>
-            <a:pPr marL="742950" lvl="1" indent="-285750">
-              <a:buFont typeface="Arial" panose="020B0604020202020204" pitchFamily="34" charset="0"/>
-              <a:buChar char="•"/>
-            </a:pPr>
-            <a:r>
-              <a:rPr lang="en-AU" sz="1400" dirty="0"/>
-              <a:t>Israel (Pfizer)</a:t>
-            </a:r>
-          </a:p>
-          <a:p>
-            <a:pPr marL="285750" indent="-285750">
-              <a:buFont typeface="Arial" panose="020B0604020202020204" pitchFamily="34" charset="0"/>
-              <a:buChar char="•"/>
-            </a:pPr>
-            <a:r>
-              <a:rPr lang="en-AU" sz="1400" dirty="0"/>
-              <a:t>Different Doses Program.</a:t>
-            </a:r>
-          </a:p>
-          <a:p>
-            <a:pPr marL="285750" indent="-285750">
-              <a:buFont typeface="Arial" panose="020B0604020202020204" pitchFamily="34" charset="0"/>
-              <a:buChar char="•"/>
-            </a:pPr>
-            <a:r>
-              <a:rPr lang="en-AU" sz="1400" dirty="0"/>
-              <a:t>Australia: ramped up vaccination for over one year with up to 25 shots on average per person.</a:t>
-            </a:r>
-          </a:p>
-          <a:p>
-            <a:pPr marL="285750" indent="-285750">
-              <a:buFont typeface="Arial" panose="020B0604020202020204" pitchFamily="34" charset="0"/>
-              <a:buChar char="•"/>
-            </a:pPr>
-            <a:r>
-              <a:rPr lang="en-AU" sz="1400" dirty="0"/>
-              <a:t>China: two waves of vaccinations over 1.5 years. Up to five shots on average per person</a:t>
-            </a:r>
-          </a:p>
-          <a:p>
-            <a:pPr marL="285750" indent="-285750">
-              <a:buFont typeface="Arial" panose="020B0604020202020204" pitchFamily="34" charset="0"/>
-              <a:buChar char="•"/>
-            </a:pPr>
-            <a:r>
-              <a:rPr lang="en-AU" sz="1400" dirty="0"/>
-              <a:t>Israel: maintained relatively high vaccination rates (17.5 times per person) over 2.5 years.</a:t>
-            </a:r>
-          </a:p>
-          <a:p>
-            <a:pPr marL="285750" indent="-285750">
-              <a:buFont typeface="Arial" panose="020B0604020202020204" pitchFamily="34" charset="0"/>
-              <a:buChar char="•"/>
-            </a:pPr>
-            <a:endParaRPr lang="en-AU" sz="1400" dirty="0"/>
-          </a:p>
-          <a:p>
-            <a:pPr marL="285750" indent="-285750">
-              <a:buFont typeface="Arial" panose="020B0604020202020204" pitchFamily="34" charset="0"/>
-              <a:buChar char="•"/>
-            </a:pPr>
-            <a:r>
-              <a:rPr lang="en-AU" sz="1400" dirty="0"/>
-              <a:t>Result:</a:t>
-            </a:r>
-          </a:p>
-          <a:p>
-            <a:pPr marL="285750" indent="-285750">
-              <a:buFont typeface="Arial" panose="020B0604020202020204" pitchFamily="34" charset="0"/>
-              <a:buChar char="•"/>
-            </a:pPr>
-            <a:r>
-              <a:rPr lang="en-AU" sz="1400" dirty="0"/>
-              <a:t>Australia: the vaccination program was effective</a:t>
-            </a:r>
-          </a:p>
-          <a:p>
-            <a:pPr marL="285750" indent="-285750">
-              <a:buFont typeface="Arial" panose="020B0604020202020204" pitchFamily="34" charset="0"/>
-              <a:buChar char="•"/>
-            </a:pPr>
-            <a:r>
-              <a:rPr lang="en-AU" sz="1400" dirty="0"/>
-              <a:t>China: worked initially but had a spike at the end of 2022 with </a:t>
-            </a:r>
-            <a:r>
-              <a:rPr lang="en-AU" sz="1400" dirty="0" err="1"/>
-              <a:t>Omnicron</a:t>
-            </a:r>
-            <a:endParaRPr lang="en-AU" sz="1400" dirty="0"/>
-          </a:p>
-          <a:p>
-            <a:pPr marL="285750" indent="-285750">
-              <a:buFont typeface="Arial" panose="020B0604020202020204" pitchFamily="34" charset="0"/>
-              <a:buChar char="•"/>
-            </a:pPr>
-            <a:r>
-              <a:rPr lang="en-AU" sz="1400" dirty="0"/>
-              <a:t>Israel: inconclusive. Huge spike in the beginning of 2022 despite high doses.</a:t>
-            </a:r>
-          </a:p>
-        </p:txBody>
-      </p:sp>
-    </p:spTree>
-    <p:extLst>
-      <p:ext uri="{BB962C8B-B14F-4D97-AF65-F5344CB8AC3E}">
-        <p14:creationId xmlns:p14="http://schemas.microsoft.com/office/powerpoint/2010/main" val="2119494753"/>
-      </p:ext>
-    </p:extLst>
-  </p:cSld>
-  <p:clrMapOvr>
-    <a:masterClrMapping/>
-  </p:clrMapOvr>
-</p:sld>
-</file>
-
-<file path=ppt/slides/slide12.xml><?xml version="1.0" encoding="utf-8"?>
-<p:sld xmlns:a="http://schemas.openxmlformats.org/drawingml/2006/main" xmlns:r="http://schemas.openxmlformats.org/officeDocument/2006/relationships" xmlns:p="http://schemas.openxmlformats.org/presentationml/2006/main">
-  <p:cSld>
-    <p:spTree>
-      <p:nvGrpSpPr>
-        <p:cNvPr id="1" name=""/>
-        <p:cNvGrpSpPr/>
-        <p:nvPr/>
-      </p:nvGrpSpPr>
-      <p:grpSpPr>
-        <a:xfrm>
-          <a:off x="0" y="0"/>
-          <a:ext cx="0" cy="0"/>
-          <a:chOff x="0" y="0"/>
-          <a:chExt cx="0" cy="0"/>
-        </a:xfrm>
-      </p:grpSpPr>
-      <p:sp>
-        <p:nvSpPr>
-          <p:cNvPr id="2" name="Title 1">
-            <a:extLst>
-              <a:ext uri="{FF2B5EF4-FFF2-40B4-BE49-F238E27FC236}">
                 <a16:creationId xmlns:a16="http://schemas.microsoft.com/office/drawing/2014/main" id="{7BA1DF8F-E73A-21E4-510B-CFC8CB775B05}"/>
               </a:ext>
             </a:extLst>
@@ -6050,6 +6018,56 @@
               <a:rPr lang="en-US" dirty="0"/>
               <a:t>Is the vaccination effective?</a:t>
             </a:r>
+          </a:p>
+          <a:p>
+            <a:pPr marL="0" indent="0">
+              <a:buNone/>
+            </a:pPr>
+            <a:endParaRPr lang="en-US" dirty="0"/>
+          </a:p>
+          <a:p>
+            <a:r>
+              <a:rPr lang="en-US" dirty="0"/>
+              <a:t>Vaccination seem to be effective in controlling the spread of the Covid19 virus. However, this could be coincidental.</a:t>
+            </a:r>
+          </a:p>
+          <a:p>
+            <a:r>
+              <a:rPr lang="en-US" dirty="0"/>
+              <a:t>Different vaccines seem to work. However, none of the vaccines was able to protect against the </a:t>
+            </a:r>
+            <a:r>
+              <a:rPr lang="en-US" dirty="0" err="1"/>
+              <a:t>Omnicron</a:t>
+            </a:r>
+            <a:r>
+              <a:rPr lang="en-US" dirty="0"/>
+              <a:t> spreading.</a:t>
+            </a:r>
+          </a:p>
+          <a:p>
+            <a:r>
+              <a:rPr lang="en-US" dirty="0"/>
+              <a:t>Covid19 spread has more or less stopped.</a:t>
+            </a:r>
+          </a:p>
+          <a:p>
+            <a:r>
+              <a:rPr lang="en-US" dirty="0"/>
+              <a:t>It is not conclusive that vaccinations have been effective in controlling the spread of the virus.</a:t>
+            </a:r>
+          </a:p>
+          <a:p>
+            <a:pPr marL="0" indent="0">
+              <a:buNone/>
+            </a:pPr>
+            <a:endParaRPr lang="en-US" dirty="0"/>
+          </a:p>
+          <a:p>
+            <a:pPr marL="0" indent="0">
+              <a:buNone/>
+            </a:pPr>
+            <a:endParaRPr lang="en-US" dirty="0"/>
           </a:p>
           <a:p>
             <a:pPr marL="0" indent="0">
@@ -6934,7 +6952,7 @@
           <p:cNvPr id="2" name="Title 1">
             <a:extLst>
               <a:ext uri="{FF2B5EF4-FFF2-40B4-BE49-F238E27FC236}">
-                <a16:creationId xmlns:a16="http://schemas.microsoft.com/office/drawing/2014/main" id="{FB755B83-BA32-8C99-C4EC-0558C33B1C34}"/>
+                <a16:creationId xmlns:a16="http://schemas.microsoft.com/office/drawing/2014/main" id="{E41FFD0F-ACC8-F56C-61DA-EBE9F057C601}"/>
               </a:ext>
             </a:extLst>
           </p:cNvPr>
@@ -6945,52 +6963,116 @@
             <p:ph type="title"/>
           </p:nvPr>
         </p:nvSpPr>
-        <p:spPr>
-          <a:xfrm>
-            <a:off x="810000" y="82296"/>
-            <a:ext cx="10571998" cy="1792224"/>
-          </a:xfrm>
-        </p:spPr>
+        <p:spPr/>
         <p:txBody>
           <a:bodyPr/>
           <a:lstStyle/>
           <a:p>
             <a:r>
-              <a:rPr lang="en-US" dirty="0"/>
-              <a:t>How have COVID-19 vaccinations affected ICU patient admissions, confirmed cases and mortality rates?</a:t>
-            </a:r>
-          </a:p>
-        </p:txBody>
-      </p:sp>
-      <p:sp>
-        <p:nvSpPr>
-          <p:cNvPr id="3" name="Content Placeholder 2">
+              <a:rPr lang="en-US" dirty="0">
+                <a:latin typeface="-apple-system"/>
+              </a:rPr>
+              <a:t>Australia: Relationship of New Case vs New Deaths</a:t>
+            </a:r>
+            <a:r>
+              <a:rPr lang="en-US" i="0" dirty="0">
+                <a:effectLst/>
+                <a:latin typeface="-apple-system"/>
+              </a:rPr>
+              <a:t>?</a:t>
+            </a:r>
+            <a:endParaRPr lang="en-US" dirty="0"/>
+          </a:p>
+        </p:txBody>
+      </p:sp>
+      <p:pic>
+        <p:nvPicPr>
+          <p:cNvPr id="24" name="Content Placeholder 23" descr="A graph of the spread of the coronavirus&#10;&#10;Description automatically generated">
             <a:extLst>
               <a:ext uri="{FF2B5EF4-FFF2-40B4-BE49-F238E27FC236}">
-                <a16:creationId xmlns:a16="http://schemas.microsoft.com/office/drawing/2014/main" id="{2873D234-FCA6-B947-824C-21A917CD87A0}"/>
+                <a16:creationId xmlns:a16="http://schemas.microsoft.com/office/drawing/2014/main" id="{EF096249-9B31-4056-FBD0-31C2758377CA}"/>
               </a:ext>
             </a:extLst>
           </p:cNvPr>
-          <p:cNvSpPr>
-            <a:spLocks noGrp="1"/>
-          </p:cNvSpPr>
+          <p:cNvPicPr>
+            <a:picLocks noGrp="1" noChangeAspect="1"/>
+          </p:cNvPicPr>
           <p:nvPr>
             <p:ph idx="1"/>
           </p:nvPr>
-        </p:nvSpPr>
-        <p:spPr/>
-        <p:txBody>
-          <a:bodyPr/>
-          <a:lstStyle/>
-          <a:p>
-            <a:endParaRPr lang="en-US"/>
+        </p:nvPicPr>
+        <p:blipFill>
+          <a:blip r:embed="rId2"/>
+          <a:stretch>
+            <a:fillRect/>
+          </a:stretch>
+        </p:blipFill>
+        <p:spPr>
+          <a:xfrm>
+            <a:off x="2990088" y="1920748"/>
+            <a:ext cx="9201912" cy="4873244"/>
+          </a:xfrm>
+        </p:spPr>
+      </p:pic>
+      <p:sp>
+        <p:nvSpPr>
+          <p:cNvPr id="25" name="TextBox 24">
+            <a:extLst>
+              <a:ext uri="{FF2B5EF4-FFF2-40B4-BE49-F238E27FC236}">
+                <a16:creationId xmlns:a16="http://schemas.microsoft.com/office/drawing/2014/main" id="{3C114A6D-0AA4-DF02-C16E-E384F8B7E884}"/>
+              </a:ext>
+            </a:extLst>
+          </p:cNvPr>
+          <p:cNvSpPr txBox="1"/>
+          <p:nvPr/>
+        </p:nvSpPr>
+        <p:spPr>
+          <a:xfrm>
+            <a:off x="171206" y="2659376"/>
+            <a:ext cx="2643329" cy="1477328"/>
+          </a:xfrm>
+          <a:prstGeom prst="rect">
+            <a:avLst/>
+          </a:prstGeom>
+          <a:noFill/>
+        </p:spPr>
+        <p:txBody>
+          <a:bodyPr wrap="square" rtlCol="0">
+            <a:spAutoFit/>
+          </a:bodyPr>
+          <a:lstStyle/>
+          <a:p>
+            <a:r>
+              <a:rPr lang="en-US" b="1" dirty="0"/>
+              <a:t>Key Messages</a:t>
+            </a:r>
+          </a:p>
+          <a:p>
+            <a:pPr marL="285750" indent="-285750">
+              <a:buFont typeface="Arial" panose="020B0604020202020204" pitchFamily="34" charset="0"/>
+              <a:buChar char="•"/>
+            </a:pPr>
+            <a:r>
+              <a:rPr lang="en-US" dirty="0"/>
+              <a:t>7 waves identified</a:t>
+            </a:r>
+          </a:p>
+          <a:p>
+            <a:pPr marL="285750" indent="-285750">
+              <a:buFont typeface="Arial" panose="020B0604020202020204" pitchFamily="34" charset="0"/>
+              <a:buChar char="•"/>
+            </a:pPr>
+            <a:r>
+              <a:rPr lang="en-US" dirty="0"/>
+              <a:t>Each wave is associated with Peak New Deaths</a:t>
+            </a:r>
           </a:p>
         </p:txBody>
       </p:sp>
     </p:spTree>
     <p:extLst>
       <p:ext uri="{BB962C8B-B14F-4D97-AF65-F5344CB8AC3E}">
-        <p14:creationId xmlns:p14="http://schemas.microsoft.com/office/powerpoint/2010/main" val="3411984850"/>
+        <p14:creationId xmlns:p14="http://schemas.microsoft.com/office/powerpoint/2010/main" val="319259423"/>
       </p:ext>
     </p:extLst>
   </p:cSld>
@@ -7054,28 +7136,123 @@
           </a:p>
         </p:txBody>
       </p:sp>
-      <p:sp>
-        <p:nvSpPr>
-          <p:cNvPr id="3" name="Content Placeholder 2">
+      <p:pic>
+        <p:nvPicPr>
+          <p:cNvPr id="7" name="Picture 6">
             <a:extLst>
               <a:ext uri="{FF2B5EF4-FFF2-40B4-BE49-F238E27FC236}">
-                <a16:creationId xmlns:a16="http://schemas.microsoft.com/office/drawing/2014/main" id="{A5AF982E-2BFF-408A-EF36-3C95B1130AA5}"/>
+                <a16:creationId xmlns:a16="http://schemas.microsoft.com/office/drawing/2014/main" id="{F64F1EA6-3F9B-B78A-AF1E-3973D7E7D36E}"/>
               </a:ext>
             </a:extLst>
           </p:cNvPr>
-          <p:cNvSpPr>
-            <a:spLocks noGrp="1"/>
-          </p:cNvSpPr>
-          <p:nvPr>
-            <p:ph idx="1"/>
-          </p:nvPr>
-        </p:nvSpPr>
-        <p:spPr/>
-        <p:txBody>
-          <a:bodyPr/>
-          <a:lstStyle/>
-          <a:p>
-            <a:endParaRPr lang="en-US"/>
+          <p:cNvPicPr>
+            <a:picLocks noChangeAspect="1"/>
+          </p:cNvPicPr>
+          <p:nvPr/>
+        </p:nvPicPr>
+        <p:blipFill>
+          <a:blip r:embed="rId2"/>
+          <a:stretch>
+            <a:fillRect/>
+          </a:stretch>
+        </p:blipFill>
+        <p:spPr>
+          <a:xfrm>
+            <a:off x="3952700" y="1883664"/>
+            <a:ext cx="8239300" cy="4974336"/>
+          </a:xfrm>
+          <a:prstGeom prst="rect">
+            <a:avLst/>
+          </a:prstGeom>
+        </p:spPr>
+      </p:pic>
+      <p:pic>
+        <p:nvPicPr>
+          <p:cNvPr id="5" name="Picture 4">
+            <a:extLst>
+              <a:ext uri="{FF2B5EF4-FFF2-40B4-BE49-F238E27FC236}">
+                <a16:creationId xmlns:a16="http://schemas.microsoft.com/office/drawing/2014/main" id="{9A64CEF0-3325-2547-CA53-A546981959D4}"/>
+              </a:ext>
+            </a:extLst>
+          </p:cNvPr>
+          <p:cNvPicPr>
+            <a:picLocks noChangeAspect="1"/>
+          </p:cNvPicPr>
+          <p:nvPr/>
+        </p:nvPicPr>
+        <p:blipFill>
+          <a:blip r:embed="rId3"/>
+          <a:stretch>
+            <a:fillRect/>
+          </a:stretch>
+        </p:blipFill>
+        <p:spPr>
+          <a:xfrm>
+            <a:off x="0" y="4604426"/>
+            <a:ext cx="3939540" cy="2253574"/>
+          </a:xfrm>
+          <a:prstGeom prst="rect">
+            <a:avLst/>
+          </a:prstGeom>
+          <a:ln>
+            <a:solidFill>
+              <a:schemeClr val="accent1"/>
+            </a:solidFill>
+          </a:ln>
+        </p:spPr>
+      </p:pic>
+      <p:sp>
+        <p:nvSpPr>
+          <p:cNvPr id="8" name="TextBox 7">
+            <a:extLst>
+              <a:ext uri="{FF2B5EF4-FFF2-40B4-BE49-F238E27FC236}">
+                <a16:creationId xmlns:a16="http://schemas.microsoft.com/office/drawing/2014/main" id="{4E912009-2643-9417-E405-601C76AF8715}"/>
+              </a:ext>
+            </a:extLst>
+          </p:cNvPr>
+          <p:cNvSpPr txBox="1"/>
+          <p:nvPr/>
+        </p:nvSpPr>
+        <p:spPr>
+          <a:xfrm>
+            <a:off x="84307" y="2253574"/>
+            <a:ext cx="3754876" cy="2048021"/>
+          </a:xfrm>
+          <a:prstGeom prst="rect">
+            <a:avLst/>
+          </a:prstGeom>
+          <a:noFill/>
+        </p:spPr>
+        <p:txBody>
+          <a:bodyPr wrap="square" rtlCol="0">
+            <a:spAutoFit/>
+          </a:bodyPr>
+          <a:lstStyle/>
+          <a:p>
+            <a:r>
+              <a:rPr lang="en-US" b="1" dirty="0"/>
+              <a:t>Key Messages</a:t>
+            </a:r>
+          </a:p>
+          <a:p>
+            <a:pPr marL="285750" indent="-285750">
+              <a:buFont typeface="Arial" panose="020B0604020202020204" pitchFamily="34" charset="0"/>
+              <a:buChar char="•"/>
+            </a:pPr>
+            <a:r>
+              <a:rPr lang="en-US" dirty="0"/>
+              <a:t>Richer country spend more money on vaccination but also record more cases</a:t>
+            </a:r>
+          </a:p>
+          <a:p>
+            <a:pPr marL="285750" indent="-285750">
+              <a:buFont typeface="Arial" panose="020B0604020202020204" pitchFamily="34" charset="0"/>
+              <a:buChar char="•"/>
+            </a:pPr>
+            <a:r>
+              <a:rPr lang="en-US" dirty="0"/>
+              <a:t>Lower numbers in poorer country might be due to under reporting,</a:t>
+            </a:r>
           </a:p>
         </p:txBody>
       </p:sp>
@@ -7114,7 +7291,7 @@
           <p:cNvPr id="2" name="Title 1">
             <a:extLst>
               <a:ext uri="{FF2B5EF4-FFF2-40B4-BE49-F238E27FC236}">
-                <a16:creationId xmlns:a16="http://schemas.microsoft.com/office/drawing/2014/main" id="{5F142D92-9857-3B9E-A9E0-7E53D2015EED}"/>
+                <a16:creationId xmlns:a16="http://schemas.microsoft.com/office/drawing/2014/main" id="{FB755B83-BA32-8C99-C4EC-0558C33B1C34}"/>
               </a:ext>
             </a:extLst>
           </p:cNvPr>
@@ -7125,51 +7302,122 @@
             <p:ph type="title"/>
           </p:nvPr>
         </p:nvSpPr>
-        <p:spPr/>
+        <p:spPr>
+          <a:xfrm>
+            <a:off x="407923" y="114722"/>
+            <a:ext cx="7309353" cy="1597347"/>
+          </a:xfrm>
+        </p:spPr>
         <p:txBody>
           <a:bodyPr/>
           <a:lstStyle/>
           <a:p>
             <a:r>
-              <a:rPr lang="en-US" i="0" dirty="0">
-                <a:effectLst/>
-                <a:latin typeface="-apple-system"/>
-              </a:rPr>
-              <a:t>Did lockdowns have an effect?</a:t>
-            </a:r>
-            <a:endParaRPr lang="en-US" dirty="0"/>
-          </a:p>
-        </p:txBody>
-      </p:sp>
-      <p:sp>
-        <p:nvSpPr>
-          <p:cNvPr id="3" name="Content Placeholder 2">
+              <a:rPr lang="en-US" sz="3000" dirty="0"/>
+              <a:t>How have COVID-19 vaccinations affected ICU patient admissions, confirmed cases and mortality rates?</a:t>
+            </a:r>
+          </a:p>
+        </p:txBody>
+      </p:sp>
+      <p:pic>
+        <p:nvPicPr>
+          <p:cNvPr id="7" name="Picture 6">
             <a:extLst>
               <a:ext uri="{FF2B5EF4-FFF2-40B4-BE49-F238E27FC236}">
-                <a16:creationId xmlns:a16="http://schemas.microsoft.com/office/drawing/2014/main" id="{823D28C1-D4EE-3614-2BB9-EC3B9143A6ED}"/>
+                <a16:creationId xmlns:a16="http://schemas.microsoft.com/office/drawing/2014/main" id="{6EB8B214-3874-C1E7-BE01-4290BF8F9DA0}"/>
               </a:ext>
             </a:extLst>
           </p:cNvPr>
-          <p:cNvSpPr>
-            <a:spLocks noGrp="1"/>
-          </p:cNvSpPr>
-          <p:nvPr>
-            <p:ph idx="1"/>
-          </p:nvPr>
-        </p:nvSpPr>
-        <p:spPr/>
-        <p:txBody>
-          <a:bodyPr/>
-          <a:lstStyle/>
-          <a:p>
-            <a:endParaRPr lang="en-US"/>
+          <p:cNvPicPr>
+            <a:picLocks noChangeAspect="1"/>
+          </p:cNvPicPr>
+          <p:nvPr/>
+        </p:nvPicPr>
+        <p:blipFill>
+          <a:blip r:embed="rId2"/>
+          <a:stretch>
+            <a:fillRect/>
+          </a:stretch>
+        </p:blipFill>
+        <p:spPr>
+          <a:xfrm>
+            <a:off x="7542179" y="0"/>
+            <a:ext cx="4649822" cy="6858000"/>
+          </a:xfrm>
+          <a:prstGeom prst="rect">
+            <a:avLst/>
+          </a:prstGeom>
+        </p:spPr>
+      </p:pic>
+      <p:sp>
+        <p:nvSpPr>
+          <p:cNvPr id="8" name="TextBox 7">
+            <a:extLst>
+              <a:ext uri="{FF2B5EF4-FFF2-40B4-BE49-F238E27FC236}">
+                <a16:creationId xmlns:a16="http://schemas.microsoft.com/office/drawing/2014/main" id="{8B6E2519-CE8D-AB1E-3258-2C6698A474E1}"/>
+              </a:ext>
+            </a:extLst>
+          </p:cNvPr>
+          <p:cNvSpPr txBox="1"/>
+          <p:nvPr/>
+        </p:nvSpPr>
+        <p:spPr>
+          <a:xfrm>
+            <a:off x="317130" y="2354576"/>
+            <a:ext cx="5889115" cy="2308324"/>
+          </a:xfrm>
+          <a:prstGeom prst="rect">
+            <a:avLst/>
+          </a:prstGeom>
+          <a:noFill/>
+        </p:spPr>
+        <p:txBody>
+          <a:bodyPr wrap="square" rtlCol="0">
+            <a:spAutoFit/>
+          </a:bodyPr>
+          <a:lstStyle/>
+          <a:p>
+            <a:r>
+              <a:rPr lang="en-US" b="1" dirty="0"/>
+              <a:t>Key Messages</a:t>
+            </a:r>
+          </a:p>
+          <a:p>
+            <a:pPr marL="285750" indent="-285750">
+              <a:buFont typeface="Arial" panose="020B0604020202020204" pitchFamily="34" charset="0"/>
+              <a:buChar char="•"/>
+            </a:pPr>
+            <a:r>
+              <a:rPr lang="en-US" dirty="0"/>
+              <a:t>Covid-19 have increase the number of ICU patients in Australia, Israel and Sweden</a:t>
+            </a:r>
+          </a:p>
+          <a:p>
+            <a:pPr marL="285750" indent="-285750">
+              <a:buFont typeface="Arial" panose="020B0604020202020204" pitchFamily="34" charset="0"/>
+              <a:buChar char="•"/>
+            </a:pPr>
+            <a:r>
+              <a:rPr lang="en-US" dirty="0"/>
+              <a:t>Covid-19 have increase the number of people dying in Australia, Israel and Sweden</a:t>
+            </a:r>
+          </a:p>
+          <a:p>
+            <a:pPr marL="285750" indent="-285750">
+              <a:buFont typeface="Arial" panose="020B0604020202020204" pitchFamily="34" charset="0"/>
+              <a:buChar char="•"/>
+            </a:pPr>
+            <a:r>
+              <a:rPr lang="en-US" dirty="0"/>
+              <a:t>Increase vaccinations seems to lower the ICU patients and mortality rates in Australia, Israel and Sweden</a:t>
+            </a:r>
           </a:p>
         </p:txBody>
       </p:sp>
     </p:spTree>
     <p:extLst>
       <p:ext uri="{BB962C8B-B14F-4D97-AF65-F5344CB8AC3E}">
-        <p14:creationId xmlns:p14="http://schemas.microsoft.com/office/powerpoint/2010/main" val="1477101770"/>
+        <p14:creationId xmlns:p14="http://schemas.microsoft.com/office/powerpoint/2010/main" val="3411984850"/>
       </p:ext>
     </p:extLst>
   </p:cSld>
@@ -7201,7 +7449,7 @@
           <p:cNvPr id="2" name="Title 1">
             <a:extLst>
               <a:ext uri="{FF2B5EF4-FFF2-40B4-BE49-F238E27FC236}">
-                <a16:creationId xmlns:a16="http://schemas.microsoft.com/office/drawing/2014/main" id="{E41FFD0F-ACC8-F56C-61DA-EBE9F057C601}"/>
+                <a16:creationId xmlns:a16="http://schemas.microsoft.com/office/drawing/2014/main" id="{9CF13DC5-8485-0C55-08D7-A9F25BCD08B9}"/>
               </a:ext>
             </a:extLst>
           </p:cNvPr>
@@ -7230,10 +7478,10 @@
       </p:sp>
       <p:pic>
         <p:nvPicPr>
-          <p:cNvPr id="24" name="Content Placeholder 23" descr="A graph of the spread of the coronavirus&#10;&#10;Description automatically generated">
+          <p:cNvPr id="4" name="Content Placeholder 3">
             <a:extLst>
               <a:ext uri="{FF2B5EF4-FFF2-40B4-BE49-F238E27FC236}">
-                <a16:creationId xmlns:a16="http://schemas.microsoft.com/office/drawing/2014/main" id="{EF096249-9B31-4056-FBD0-31C2758377CA}"/>
+                <a16:creationId xmlns:a16="http://schemas.microsoft.com/office/drawing/2014/main" id="{F889D8FE-374A-C53A-A8A5-AA3B32E756A2}"/>
               </a:ext>
             </a:extLst>
           </p:cNvPr>
@@ -7252,17 +7500,25 @@
         </p:blipFill>
         <p:spPr>
           <a:xfrm>
-            <a:off x="2990088" y="1920748"/>
-            <a:ext cx="9201912" cy="4873244"/>
+            <a:off x="3017520" y="1907092"/>
+            <a:ext cx="9174480" cy="4877755"/>
           </a:xfrm>
+          <a:prstGeom prst="rect">
+            <a:avLst/>
+          </a:prstGeom>
+          <a:ln>
+            <a:solidFill>
+              <a:schemeClr val="accent1"/>
+            </a:solidFill>
+          </a:ln>
         </p:spPr>
       </p:pic>
       <p:sp>
         <p:nvSpPr>
-          <p:cNvPr id="25" name="TextBox 24">
+          <p:cNvPr id="5" name="TextBox 4">
             <a:extLst>
               <a:ext uri="{FF2B5EF4-FFF2-40B4-BE49-F238E27FC236}">
-                <a16:creationId xmlns:a16="http://schemas.microsoft.com/office/drawing/2014/main" id="{3C114A6D-0AA4-DF02-C16E-E384F8B7E884}"/>
+                <a16:creationId xmlns:a16="http://schemas.microsoft.com/office/drawing/2014/main" id="{885C5960-B69A-252C-07DD-3DFD47F39E40}"/>
               </a:ext>
             </a:extLst>
           </p:cNvPr>
@@ -7271,8 +7527,8 @@
         </p:nvSpPr>
         <p:spPr>
           <a:xfrm>
-            <a:off x="365760" y="3236551"/>
-            <a:ext cx="2203704" cy="2031325"/>
+            <a:off x="0" y="2333685"/>
+            <a:ext cx="3017520" cy="2862322"/>
           </a:xfrm>
           <a:prstGeom prst="rect">
             <a:avLst/>
@@ -7286,8 +7542,8 @@
           <a:lstStyle/>
           <a:p>
             <a:r>
-              <a:rPr lang="en-US" b="1" dirty="0"/>
-              <a:t>Key Messages</a:t>
+              <a:rPr lang="en-AU" b="1" dirty="0"/>
+              <a:t>Key Messages:</a:t>
             </a:r>
           </a:p>
           <a:p>
@@ -7296,8 +7552,8 @@
               <a:buChar char="•"/>
             </a:pPr>
             <a:r>
-              <a:rPr lang="en-US" dirty="0"/>
-              <a:t>7 waves identified</a:t>
+              <a:rPr lang="en-AU" sz="1800" dirty="0"/>
+              <a:t>Vaccination seem to work: Drastic drop in New Cases after &gt;80% People Fully Vaccinated Per Hundred. </a:t>
             </a:r>
           </a:p>
           <a:p>
@@ -7306,16 +7562,20 @@
               <a:buChar char="•"/>
             </a:pPr>
             <a:r>
-              <a:rPr lang="en-US" dirty="0"/>
-              <a:t>Each wave is associated with Peak New Deaths</a:t>
-            </a:r>
+              <a:rPr lang="en-AU" sz="1800" dirty="0"/>
+              <a:t>No new recording done beyond 2023</a:t>
+            </a:r>
+            <a:endParaRPr lang="en-US" sz="1800" dirty="0"/>
+          </a:p>
+          <a:p>
+            <a:endParaRPr lang="en-US" dirty="0"/>
           </a:p>
         </p:txBody>
       </p:sp>
     </p:spTree>
     <p:extLst>
       <p:ext uri="{BB962C8B-B14F-4D97-AF65-F5344CB8AC3E}">
-        <p14:creationId xmlns:p14="http://schemas.microsoft.com/office/powerpoint/2010/main" val="319259423"/>
+        <p14:creationId xmlns:p14="http://schemas.microsoft.com/office/powerpoint/2010/main" val="4247249526"/>
       </p:ext>
     </p:extLst>
   </p:cSld>

--- a/Covid19_Presentation_Final.pptx
+++ b/Covid19_Presentation_Final.pptx
@@ -11,8 +11,8 @@
     <p:sldId id="258" r:id="rId5"/>
     <p:sldId id="259" r:id="rId6"/>
     <p:sldId id="264" r:id="rId7"/>
-    <p:sldId id="269" r:id="rId8"/>
-    <p:sldId id="260" r:id="rId9"/>
+    <p:sldId id="260" r:id="rId8"/>
+    <p:sldId id="269" r:id="rId9"/>
     <p:sldId id="267" r:id="rId10"/>
     <p:sldId id="268" r:id="rId11"/>
     <p:sldId id="266" r:id="rId12"/>
@@ -217,7 +217,7 @@
           <a:effectLst/>
           <a:extLst>
             <a:ext uri="{91240B29-F687-4f45-9708-019B960494DF}">
-              <a14:hiddenLine xmlns:a14="http://schemas.microsoft.com/office/drawing/2010/main" xmlns="" w="9525">
+              <a14:hiddenLine xmlns="" xmlns:a14="http://schemas.microsoft.com/office/drawing/2010/main" w="9525">
                 <a:solidFill>
                   <a:srgbClr val="000000"/>
                 </a:solidFill>
@@ -410,7 +410,7 @@
             <a:fld id="{08B9EBBA-996F-894A-B54A-D6246ED52CEA}" type="datetimeFigureOut">
               <a:rPr lang="en-US" smtClean="0"/>
               <a:pPr/>
-              <a:t>9/7/2023</a:t>
+              <a:t>9/7/23</a:t>
             </a:fld>
             <a:endParaRPr lang="en-US" dirty="0"/>
           </a:p>
@@ -730,7 +730,7 @@
             <a:fld id="{18C79C5D-2A6F-F04D-97DA-BEF2467B64E4}" type="datetimeFigureOut">
               <a:rPr lang="en-US" smtClean="0"/>
               <a:pPr/>
-              <a:t>9/7/2023</a:t>
+              <a:t>9/7/23</a:t>
             </a:fld>
             <a:endParaRPr lang="en-US" dirty="0"/>
           </a:p>
@@ -1220,7 +1220,7 @@
             <a:fld id="{8DFA1846-DA80-1C48-A609-854EA85C59AD}" type="datetimeFigureOut">
               <a:rPr lang="en-US" smtClean="0"/>
               <a:pPr/>
-              <a:t>9/7/2023</a:t>
+              <a:t>9/7/23</a:t>
             </a:fld>
             <a:endParaRPr lang="en-US" dirty="0"/>
           </a:p>
@@ -1591,7 +1591,7 @@
             <a:fld id="{FBF54567-0DE4-3F47-BF90-CB84690072F9}" type="datetimeFigureOut">
               <a:rPr lang="en-US" smtClean="0"/>
               <a:pPr/>
-              <a:t>9/7/2023</a:t>
+              <a:t>9/7/23</a:t>
             </a:fld>
             <a:endParaRPr lang="en-US" dirty="0"/>
           </a:p>
@@ -1747,7 +1747,7 @@
           <a:ln/>
           <a:extLst>
             <a:ext uri="{91240B29-F687-4f45-9708-019B960494DF}">
-              <a14:hiddenLine xmlns:a14="http://schemas.microsoft.com/office/drawing/2010/main" xmlns="" w="9525">
+              <a14:hiddenLine xmlns="" xmlns:a14="http://schemas.microsoft.com/office/drawing/2010/main" w="9525">
                 <a:solidFill>
                   <a:srgbClr val="000000"/>
                 </a:solidFill>
@@ -1866,7 +1866,7 @@
             <a:fld id="{C6C52C72-DE31-F449-A4ED-4C594FD91407}" type="datetimeFigureOut">
               <a:rPr lang="en-US" smtClean="0"/>
               <a:pPr/>
-              <a:t>9/7/2023</a:t>
+              <a:t>9/7/23</a:t>
             </a:fld>
             <a:endParaRPr lang="en-US" dirty="0"/>
           </a:p>
@@ -2024,7 +2024,7 @@
           <a:ln/>
           <a:extLst>
             <a:ext uri="{91240B29-F687-4f45-9708-019B960494DF}">
-              <a14:hiddenLine xmlns:a14="http://schemas.microsoft.com/office/drawing/2010/main" xmlns="" w="9525">
+              <a14:hiddenLine xmlns="" xmlns:a14="http://schemas.microsoft.com/office/drawing/2010/main" w="9525">
                 <a:solidFill>
                   <a:srgbClr val="000000"/>
                 </a:solidFill>
@@ -2153,7 +2153,7 @@
             <a:fld id="{ED62726E-379B-B349-9EED-81ED093FA806}" type="datetimeFigureOut">
               <a:rPr lang="en-US" smtClean="0"/>
               <a:pPr/>
-              <a:t>9/7/2023</a:t>
+              <a:t>9/7/23</a:t>
             </a:fld>
             <a:endParaRPr lang="en-US" dirty="0"/>
           </a:p>
@@ -2309,7 +2309,7 @@
           <a:ln/>
           <a:extLst>
             <a:ext uri="{91240B29-F687-4f45-9708-019B960494DF}">
-              <a14:hiddenLine xmlns:a14="http://schemas.microsoft.com/office/drawing/2010/main" xmlns="" w="9525">
+              <a14:hiddenLine xmlns="" xmlns:a14="http://schemas.microsoft.com/office/drawing/2010/main" w="9525">
                 <a:solidFill>
                   <a:srgbClr val="000000"/>
                 </a:solidFill>
@@ -2438,7 +2438,7 @@
             <a:fld id="{9B3A1323-8D79-1946-B0D7-40001CF92E9D}" type="datetimeFigureOut">
               <a:rPr lang="en-US" smtClean="0"/>
               <a:pPr/>
-              <a:t>9/7/2023</a:t>
+              <a:t>9/7/23</a:t>
             </a:fld>
             <a:endParaRPr lang="en-US" dirty="0"/>
           </a:p>
@@ -2783,7 +2783,7 @@
             <a:fld id="{8DFA1846-DA80-1C48-A609-854EA85C59AD}" type="datetimeFigureOut">
               <a:rPr lang="en-US" smtClean="0"/>
               <a:pPr/>
-              <a:t>9/7/2023</a:t>
+              <a:t>9/7/23</a:t>
             </a:fld>
             <a:endParaRPr lang="en-US" dirty="0"/>
           </a:p>
@@ -2939,7 +2939,7 @@
           <a:ln/>
           <a:extLst>
             <a:ext uri="{91240B29-F687-4f45-9708-019B960494DF}">
-              <a14:hiddenLine xmlns:a14="http://schemas.microsoft.com/office/drawing/2010/main" xmlns="" w="9525">
+              <a14:hiddenLine xmlns="" xmlns:a14="http://schemas.microsoft.com/office/drawing/2010/main" w="9525">
                 <a:solidFill>
                   <a:srgbClr val="000000"/>
                 </a:solidFill>
@@ -3124,7 +3124,7 @@
             <a:fld id="{57302355-E14B-8545-A8F8-0FE83CC9D524}" type="datetimeFigureOut">
               <a:rPr lang="en-US" smtClean="0"/>
               <a:pPr/>
-              <a:t>9/7/2023</a:t>
+              <a:t>9/7/23</a:t>
             </a:fld>
             <a:endParaRPr lang="en-US" dirty="0"/>
           </a:p>
@@ -3280,7 +3280,7 @@
           <a:ln/>
           <a:extLst>
             <a:ext uri="{91240B29-F687-4f45-9708-019B960494DF}">
-              <a14:hiddenLine xmlns:a14="http://schemas.microsoft.com/office/drawing/2010/main" xmlns="" w="9525">
+              <a14:hiddenLine xmlns="" xmlns:a14="http://schemas.microsoft.com/office/drawing/2010/main" w="9525">
                 <a:solidFill>
                   <a:srgbClr val="000000"/>
                 </a:solidFill>
@@ -3603,7 +3603,7 @@
             <a:fld id="{02640F58-564D-2B4F-AE67-E407BA4FCF45}" type="datetimeFigureOut">
               <a:rPr lang="en-US" smtClean="0"/>
               <a:pPr/>
-              <a:t>9/7/2023</a:t>
+              <a:t>9/7/23</a:t>
             </a:fld>
             <a:endParaRPr lang="en-US" dirty="0"/>
           </a:p>
@@ -3759,7 +3759,7 @@
           <a:ln/>
           <a:extLst>
             <a:ext uri="{91240B29-F687-4f45-9708-019B960494DF}">
-              <a14:hiddenLine xmlns:a14="http://schemas.microsoft.com/office/drawing/2010/main" xmlns="" w="9525">
+              <a14:hiddenLine xmlns="" xmlns:a14="http://schemas.microsoft.com/office/drawing/2010/main" w="9525">
                 <a:solidFill>
                   <a:srgbClr val="000000"/>
                 </a:solidFill>
@@ -3826,7 +3826,7 @@
             <a:fld id="{F13A34C8-038E-2045-AF43-DF7DBB8E0E9E}" type="datetimeFigureOut">
               <a:rPr lang="en-US" smtClean="0"/>
               <a:pPr/>
-              <a:t>9/7/2023</a:t>
+              <a:t>9/7/23</a:t>
             </a:fld>
             <a:endParaRPr lang="en-US" dirty="0"/>
           </a:p>
@@ -3923,7 +3923,7 @@
             <a:fld id="{8818C68F-D26B-8F47-958C-23B49CF8A634}" type="datetimeFigureOut">
               <a:rPr lang="en-US" smtClean="0"/>
               <a:pPr/>
-              <a:t>9/7/2023</a:t>
+              <a:t>9/7/23</a:t>
             </a:fld>
             <a:endParaRPr lang="en-US" dirty="0"/>
           </a:p>
@@ -4192,7 +4192,7 @@
           <a:ln/>
           <a:extLst>
             <a:ext uri="{91240B29-F687-4f45-9708-019B960494DF}">
-              <a14:hiddenLine xmlns:a14="http://schemas.microsoft.com/office/drawing/2010/main" xmlns="" w="9525">
+              <a14:hiddenLine xmlns="" xmlns:a14="http://schemas.microsoft.com/office/drawing/2010/main" w="9525">
                 <a:solidFill>
                   <a:srgbClr val="000000"/>
                 </a:solidFill>
@@ -4392,7 +4392,7 @@
             <a:fld id="{D0DF5E60-9974-AC48-9591-99C2BB44B7CF}" type="datetimeFigureOut">
               <a:rPr lang="en-US" smtClean="0"/>
               <a:pPr/>
-              <a:t>9/7/2023</a:t>
+              <a:t>9/7/23</a:t>
             </a:fld>
             <a:endParaRPr lang="en-US" dirty="0"/>
           </a:p>
@@ -4707,7 +4707,7 @@
             <a:fld id="{18C79C5D-2A6F-F04D-97DA-BEF2467B64E4}" type="datetimeFigureOut">
               <a:rPr lang="en-US" smtClean="0"/>
               <a:pPr/>
-              <a:t>9/7/2023</a:t>
+              <a:t>9/7/23</a:t>
             </a:fld>
             <a:endParaRPr lang="en-US" dirty="0"/>
           </a:p>
@@ -4979,7 +4979,7 @@
             <a:fld id="{09B482E8-6E0E-1B4F-B1FD-C69DB9E858D9}" type="datetimeFigureOut">
               <a:rPr lang="en-US" smtClean="0"/>
               <a:pPr/>
-              <a:t>9/7/2023</a:t>
+              <a:t>9/7/23</a:t>
             </a:fld>
             <a:endParaRPr lang="en-US" dirty="0"/>
           </a:p>
@@ -5491,8 +5491,8 @@
         </p:nvSpPr>
         <p:spPr>
           <a:xfrm>
-            <a:off x="7229345" y="947607"/>
-            <a:ext cx="4152655" cy="4962785"/>
+            <a:off x="8039345" y="3429000"/>
+            <a:ext cx="4152655" cy="1505137"/>
           </a:xfrm>
           <a:effectLst/>
         </p:spPr>
@@ -5503,7 +5503,7 @@
           <a:lstStyle/>
           <a:p>
             <a:r>
-              <a:rPr lang="en-US" sz="2800"/>
+              <a:rPr lang="en-US" sz="2800" dirty="0"/>
               <a:t>By Geoffrey Pang, Cayley Morrow, and John Porretta</a:t>
             </a:r>
           </a:p>
@@ -5519,6 +5519,9 @@
   <p:clrMapOvr>
     <a:masterClrMapping/>
   </p:clrMapOvr>
+  <p:transition spd="med">
+    <p:pull/>
+  </p:transition>
 </p:sld>
 </file>
 
@@ -5555,7 +5558,12 @@
             <p:ph type="title"/>
           </p:nvPr>
         </p:nvSpPr>
-        <p:spPr/>
+        <p:spPr>
+          <a:xfrm>
+            <a:off x="0" y="915094"/>
+            <a:ext cx="10571998" cy="970450"/>
+          </a:xfrm>
+        </p:spPr>
         <p:txBody>
           <a:bodyPr/>
           <a:lstStyle/>
@@ -5589,7 +5597,7 @@
         <p:spPr>
           <a:xfrm>
             <a:off x="1" y="2159666"/>
-            <a:ext cx="5747656" cy="3970318"/>
+            <a:ext cx="5747656" cy="4185761"/>
           </a:xfrm>
           <a:prstGeom prst="rect">
             <a:avLst/>
@@ -5606,8 +5614,12 @@
           <a:lstStyle/>
           <a:p>
             <a:r>
-              <a:rPr lang="en-AU" sz="1400" b="1" dirty="0"/>
-              <a:t>Key Messages:</a:t>
+              <a:rPr lang="en-AU" sz="1400" b="1" dirty="0">
+                <a:solidFill>
+                  <a:schemeClr val="accent1"/>
+                </a:solidFill>
+              </a:rPr>
+              <a:t>Key Messages</a:t>
             </a:r>
           </a:p>
           <a:p>
@@ -5675,9 +5687,17 @@
             </a:r>
           </a:p>
           <a:p>
-            <a:r>
-              <a:rPr lang="en-AU" sz="1400" b="1" dirty="0"/>
-              <a:t>Different Doses Program.</a:t>
+            <a:pPr lvl="1"/>
+            <a:endParaRPr lang="en-AU" sz="1400" dirty="0"/>
+          </a:p>
+          <a:p>
+            <a:r>
+              <a:rPr lang="en-AU" sz="1400" b="1" dirty="0">
+                <a:solidFill>
+                  <a:schemeClr val="accent1"/>
+                </a:solidFill>
+              </a:rPr>
+              <a:t>Different Vaccination Programs</a:t>
             </a:r>
           </a:p>
           <a:p>
@@ -5719,8 +5739,12 @@
           </a:p>
           <a:p>
             <a:r>
-              <a:rPr lang="en-AU" sz="1400" b="1" dirty="0"/>
-              <a:t>Result:</a:t>
+              <a:rPr lang="en-AU" sz="1400" b="1" dirty="0">
+                <a:solidFill>
+                  <a:schemeClr val="accent1"/>
+                </a:solidFill>
+              </a:rPr>
+              <a:t>Result</a:t>
             </a:r>
           </a:p>
           <a:p>
@@ -5730,7 +5754,7 @@
             </a:pPr>
             <a:r>
               <a:rPr lang="en-AU" sz="1400" dirty="0"/>
-              <a:t>Australia: the vaccination seem to work.</a:t>
+              <a:t>Australia: the vaccination appears to work.</a:t>
             </a:r>
           </a:p>
           <a:p>
@@ -5740,13 +5764,8 @@
             </a:pPr>
             <a:r>
               <a:rPr lang="en-AU" sz="1400" dirty="0"/>
-              <a:t>China: worked initially but had a spike at the end of 2022 with </a:t>
-            </a:r>
-            <a:r>
-              <a:rPr lang="en-AU" sz="1400" dirty="0" err="1"/>
-              <a:t>Omnicron</a:t>
-            </a:r>
-            <a:endParaRPr lang="en-AU" sz="1400" dirty="0"/>
+              <a:t>China: worked initially but had a spike at the end of 2022 with Omicron</a:t>
+            </a:r>
           </a:p>
           <a:p>
             <a:pPr marL="285750" indent="-285750">
@@ -5755,15 +5774,7 @@
             </a:pPr>
             <a:r>
               <a:rPr lang="en-AU" sz="1400" dirty="0"/>
-              <a:t>Israel: Seem to work but not protected against </a:t>
-            </a:r>
-            <a:r>
-              <a:rPr lang="en-AU" sz="1400" dirty="0" err="1"/>
-              <a:t>Omnicron</a:t>
-            </a:r>
-            <a:r>
-              <a:rPr lang="en-AU" sz="1400" dirty="0"/>
-              <a:t> (Jan-2022)</a:t>
+              <a:t>Israel: Seem to work but not protected against Omicron (Jan-2022)</a:t>
             </a:r>
           </a:p>
         </p:txBody>
@@ -5790,8 +5801,8 @@
         </p:blipFill>
         <p:spPr>
           <a:xfrm>
-            <a:off x="6011693" y="1885544"/>
-            <a:ext cx="6180303" cy="4972455"/>
+            <a:off x="5634681" y="1885544"/>
+            <a:ext cx="6557315" cy="4972455"/>
           </a:xfrm>
           <a:prstGeom prst="rect">
             <a:avLst/>
@@ -5942,6 +5953,9 @@
   <p:clrMapOvr>
     <a:masterClrMapping/>
   </p:clrMapOvr>
+  <p:transition spd="med">
+    <p:pull/>
+  </p:transition>
 </p:sld>
 </file>
 
@@ -6006,9 +6020,16 @@
             <p:ph idx="1"/>
           </p:nvPr>
         </p:nvSpPr>
-        <p:spPr/>
-        <p:txBody>
-          <a:bodyPr anchor="t"/>
+        <p:spPr>
+          <a:xfrm>
+            <a:off x="383059" y="2222287"/>
+            <a:ext cx="11331146" cy="4188525"/>
+          </a:xfrm>
+        </p:spPr>
+        <p:txBody>
+          <a:bodyPr anchor="t">
+            <a:normAutofit/>
+          </a:bodyPr>
           <a:lstStyle/>
           <a:p>
             <a:pPr marL="0" indent="0">
@@ -6028,27 +6049,25 @@
           <a:p>
             <a:r>
               <a:rPr lang="en-US" dirty="0"/>
-              <a:t>Vaccination seem to be effective in controlling the spread of the Covid19 virus. However, this could be coincidental.</a:t>
+              <a:t>Vaccination appears to be effective in controlling the spread of the COVID-19 virus. However, this could be coincidental.</a:t>
             </a:r>
           </a:p>
           <a:p>
             <a:r>
               <a:rPr lang="en-US" dirty="0"/>
-              <a:t>Different vaccines seem to work. However, none of the vaccines was able to protect against the </a:t>
-            </a:r>
-            <a:r>
-              <a:rPr lang="en-US" dirty="0" err="1"/>
-              <a:t>Omnicron</a:t>
-            </a:r>
+              <a:t>Different vaccinations seem to work. However, none of the vaccinations had much of an effect against the spread of Omicron.</a:t>
+            </a:r>
+          </a:p>
+          <a:p>
             <a:r>
               <a:rPr lang="en-US" dirty="0"/>
-              <a:t> spreading.</a:t>
+              <a:t>COVID-19 spread has decreased significantly since 2020.</a:t>
             </a:r>
           </a:p>
           <a:p>
             <a:r>
               <a:rPr lang="en-US" dirty="0"/>
-              <a:t>Covid19 spread has more or less stopped.</a:t>
+              <a:t>Vaccinations are only one part of the response to COVID-19, there are too many other contributing factors</a:t>
             </a:r>
           </a:p>
           <a:p>
@@ -6056,12 +6075,6 @@
               <a:rPr lang="en-US" dirty="0"/>
               <a:t>It is not conclusive that vaccinations have been effective in controlling the spread of the virus.</a:t>
             </a:r>
-          </a:p>
-          <a:p>
-            <a:pPr marL="0" indent="0">
-              <a:buNone/>
-            </a:pPr>
-            <a:endParaRPr lang="en-US" dirty="0"/>
           </a:p>
           <a:p>
             <a:pPr marL="0" indent="0">
@@ -6087,6 +6100,9 @@
   <p:clrMapOvr>
     <a:masterClrMapping/>
   </p:clrMapOvr>
+  <p:transition spd="med">
+    <p:pull/>
+  </p:transition>
 </p:sld>
 </file>
 
@@ -6167,7 +6183,11 @@
               <a:buNone/>
             </a:pPr>
             <a:r>
-              <a:rPr lang="en-US" b="1" dirty="0"/>
+              <a:rPr lang="en-US" b="1" dirty="0">
+                <a:solidFill>
+                  <a:schemeClr val="accent1"/>
+                </a:solidFill>
+              </a:rPr>
               <a:t>Transmission</a:t>
             </a:r>
           </a:p>
@@ -6188,7 +6208,11 @@
               <a:buNone/>
             </a:pPr>
             <a:r>
-              <a:rPr lang="en-US" b="1" dirty="0"/>
+              <a:rPr lang="en-US" b="1" dirty="0">
+                <a:solidFill>
+                  <a:schemeClr val="accent1"/>
+                </a:solidFill>
+              </a:rPr>
               <a:t>Severity</a:t>
             </a:r>
           </a:p>
@@ -6220,7 +6244,11 @@
               <a:buNone/>
             </a:pPr>
             <a:r>
-              <a:rPr lang="en-US" b="1" dirty="0"/>
+              <a:rPr lang="en-US" b="1" dirty="0">
+                <a:solidFill>
+                  <a:schemeClr val="accent1"/>
+                </a:solidFill>
+              </a:rPr>
               <a:t>Vaccination</a:t>
             </a:r>
           </a:p>
@@ -6244,7 +6272,11 @@
               <a:buNone/>
             </a:pPr>
             <a:r>
-              <a:rPr lang="en-US" b="1" dirty="0"/>
+              <a:rPr lang="en-US" b="1" dirty="0">
+                <a:solidFill>
+                  <a:schemeClr val="accent1"/>
+                </a:solidFill>
+              </a:rPr>
               <a:t>Variants</a:t>
             </a:r>
           </a:p>
@@ -6317,6 +6349,9 @@
   <p:clrMapOvr>
     <a:masterClrMapping/>
   </p:clrMapOvr>
+  <p:transition spd="med">
+    <p:pull/>
+  </p:transition>
 </p:sld>
 </file>
 
@@ -6397,7 +6432,7 @@
               <a:buNone/>
             </a:pPr>
             <a:r>
-              <a:rPr lang="en-AU" sz="2000" b="1" dirty="0">
+              <a:rPr lang="en-AU" sz="1900" b="1" dirty="0">
                 <a:solidFill>
                   <a:schemeClr val="accent1"/>
                 </a:solidFill>
@@ -6410,32 +6445,23 @@
               <a:buNone/>
             </a:pPr>
             <a:r>
-              <a:rPr lang="en-US" b="0" i="0" dirty="0">
-                <a:effectLst/>
-                <a:latin typeface="-apple-system"/>
-              </a:rPr>
+              <a:rPr lang="en-US" sz="1900" dirty="0"/>
               <a:t>In this project, we will look at how effective the COVID-19 vaccinations were on factors such as hospitalisations, confirmed cases and mortality rates.</a:t>
             </a:r>
-            <a:endParaRPr lang="en-AU" dirty="0"/>
+            <a:endParaRPr lang="en-AU" sz="1900" dirty="0"/>
           </a:p>
           <a:p>
             <a:pPr marL="0" indent="0">
               <a:buNone/>
             </a:pPr>
-            <a:endParaRPr lang="en-AU" dirty="0">
-              <a:solidFill>
-                <a:schemeClr val="accent1">
-                  <a:lumMod val="75000"/>
-                </a:schemeClr>
-              </a:solidFill>
-            </a:endParaRPr>
+            <a:endParaRPr lang="en-AU" sz="1900" dirty="0"/>
           </a:p>
           <a:p>
             <a:pPr marL="0" indent="0">
               <a:buNone/>
             </a:pPr>
             <a:r>
-              <a:rPr lang="en-AU" sz="2000" b="1" dirty="0">
+              <a:rPr lang="en-AU" sz="1900" b="1" dirty="0">
                 <a:solidFill>
                   <a:schemeClr val="accent1"/>
                 </a:solidFill>
@@ -6448,10 +6474,7 @@
               <a:buNone/>
             </a:pPr>
             <a:r>
-              <a:rPr lang="en-US" i="0" dirty="0">
-                <a:effectLst/>
-                <a:latin typeface="-apple-system"/>
-              </a:rPr>
+              <a:rPr lang="en-US" sz="1900" dirty="0"/>
               <a:t>Our World In Data – third-party website with a collation of data from WHO, John Hopkins, etc.</a:t>
             </a:r>
           </a:p>
@@ -6460,52 +6483,23 @@
               <a:buNone/>
             </a:pPr>
             <a:r>
-              <a:rPr lang="en-US" i="0" dirty="0">
-                <a:effectLst/>
-                <a:latin typeface="-apple-system"/>
-              </a:rPr>
-              <a:t>World Bank  (using API requests) – GDP </a:t>
-            </a:r>
-            <a:r>
-              <a:rPr lang="en-US" dirty="0">
-                <a:latin typeface="-apple-system"/>
-              </a:rPr>
-              <a:t>P</a:t>
-            </a:r>
-            <a:r>
-              <a:rPr lang="en-US" i="0" dirty="0">
-                <a:effectLst/>
-                <a:latin typeface="-apple-system"/>
-              </a:rPr>
-              <a:t>er </a:t>
-            </a:r>
-            <a:r>
-              <a:rPr lang="en-US" dirty="0">
-                <a:latin typeface="-apple-system"/>
-              </a:rPr>
-              <a:t>C</a:t>
-            </a:r>
-            <a:r>
-              <a:rPr lang="en-US" i="0" dirty="0">
-                <a:effectLst/>
-                <a:latin typeface="-apple-system"/>
-              </a:rPr>
-              <a:t>apita</a:t>
-            </a:r>
-            <a:endParaRPr lang="en-AU" dirty="0"/>
+              <a:rPr lang="en-US" sz="1900" dirty="0"/>
+              <a:t>World Bank  (using API requests) – GDP Per Capita</a:t>
+            </a:r>
+            <a:endParaRPr lang="en-AU" sz="1900" dirty="0"/>
           </a:p>
           <a:p>
             <a:pPr marL="0" indent="0">
               <a:buNone/>
             </a:pPr>
-            <a:endParaRPr lang="en-AU" dirty="0"/>
+            <a:endParaRPr lang="en-AU" sz="1900" dirty="0"/>
           </a:p>
           <a:p>
             <a:pPr marL="0" indent="0">
               <a:buNone/>
             </a:pPr>
             <a:r>
-              <a:rPr lang="en-AU" sz="2000" b="1" dirty="0">
+              <a:rPr lang="en-AU" sz="1900" b="1" dirty="0">
                 <a:solidFill>
                   <a:schemeClr val="accent1"/>
                 </a:solidFill>
@@ -6518,17 +6512,8 @@
               <a:buNone/>
             </a:pPr>
             <a:r>
-              <a:rPr lang="en-US" i="0" dirty="0">
-                <a:effectLst/>
-                <a:latin typeface="-apple-system"/>
-              </a:rPr>
-              <a:t>1. </a:t>
-            </a:r>
-            <a:r>
-              <a:rPr lang="en-US" dirty="0">
-                <a:latin typeface="-apple-system"/>
-              </a:rPr>
-              <a:t>How have COVID-19 vaccinations affected ICU patient admissions, confirmed cases and mortality rates?</a:t>
+              <a:rPr lang="en-US" sz="1900" dirty="0"/>
+              <a:t>1. How have COVID-19 vaccinations affected ICU patient admissions, confirmed cases and mortality rates?</a:t>
             </a:r>
           </a:p>
           <a:p>
@@ -6536,26 +6521,17 @@
               <a:buNone/>
             </a:pPr>
             <a:r>
-              <a:rPr lang="en-US" i="0" dirty="0">
-                <a:effectLst/>
-                <a:latin typeface="-apple-system"/>
-              </a:rPr>
+              <a:rPr lang="en-US" sz="1900" dirty="0"/>
               <a:t>2. Does a difference in Gross Domestic Product (GDP) Per Capita affect COVID-19 cases (using World Bank API)?</a:t>
             </a:r>
-            <a:endParaRPr lang="en-US" dirty="0">
-              <a:latin typeface="-apple-system"/>
-            </a:endParaRPr>
           </a:p>
           <a:p>
             <a:pPr marL="0" indent="0">
               <a:buNone/>
             </a:pPr>
             <a:r>
-              <a:rPr lang="en-US" i="0" dirty="0">
-                <a:effectLst/>
-                <a:latin typeface="-apple-system"/>
-              </a:rPr>
-              <a:t>3. Did lockdowns have an effect?</a:t>
+              <a:rPr lang="en-US" sz="1900" dirty="0"/>
+              <a:t>4. Were the COVID-19 vaccinations effective in Australia?</a:t>
             </a:r>
           </a:p>
           <a:p>
@@ -6563,28 +6539,9 @@
               <a:buNone/>
             </a:pPr>
             <a:r>
-              <a:rPr lang="en-US" i="0" dirty="0">
-                <a:effectLst/>
-                <a:latin typeface="-apple-system"/>
-              </a:rPr>
-              <a:t>4. Were the COVID-19 vaccinations effective in Australia?</a:t>
-            </a:r>
-            <a:endParaRPr lang="en-US" dirty="0">
-              <a:latin typeface="-apple-system"/>
-            </a:endParaRPr>
-          </a:p>
-          <a:p>
-            <a:pPr marL="0" indent="0">
-              <a:buNone/>
-            </a:pPr>
-            <a:r>
-              <a:rPr lang="en-US" i="0" dirty="0">
-                <a:effectLst/>
-                <a:latin typeface="-apple-system"/>
-              </a:rPr>
+              <a:rPr lang="en-US" sz="1900" dirty="0"/>
               <a:t>5. How effective were the different types of vaccinations?</a:t>
             </a:r>
-            <a:endParaRPr lang="en-US" dirty="0"/>
           </a:p>
           <a:p>
             <a:endParaRPr lang="en-US" dirty="0"/>
@@ -6601,6 +6558,9 @@
   <p:clrMapOvr>
     <a:masterClrMapping/>
   </p:clrMapOvr>
+  <p:transition spd="med">
+    <p:pull/>
+  </p:transition>
 </p:sld>
 </file>
 
@@ -6673,8 +6633,8 @@
         </p:blipFill>
         <p:spPr>
           <a:xfrm>
-            <a:off x="4910328" y="1893315"/>
-            <a:ext cx="6318504" cy="4929457"/>
+            <a:off x="5090984" y="1"/>
+            <a:ext cx="7101016" cy="6822772"/>
           </a:xfrm>
         </p:spPr>
       </p:pic>
@@ -6707,7 +6667,11 @@
           <a:lstStyle/>
           <a:p>
             <a:r>
-              <a:rPr lang="en-US" b="1" dirty="0"/>
+              <a:rPr lang="en-US" b="1" dirty="0">
+                <a:solidFill>
+                  <a:schemeClr val="accent1"/>
+                </a:solidFill>
+              </a:rPr>
               <a:t>COVID-19 Dataset by Our World in Data</a:t>
             </a:r>
           </a:p>
@@ -6791,12 +6755,23 @@
   <p:clrMapOvr>
     <a:masterClrMapping/>
   </p:clrMapOvr>
+  <p:transition spd="med">
+    <p:pull/>
+  </p:transition>
 </p:sld>
 </file>
 
 <file path=ppt/slides/slide5.xml><?xml version="1.0" encoding="utf-8"?>
 <p:sld xmlns:a="http://schemas.openxmlformats.org/drawingml/2006/main" xmlns:r="http://schemas.openxmlformats.org/officeDocument/2006/relationships" xmlns:p="http://schemas.openxmlformats.org/presentationml/2006/main">
   <p:cSld>
+    <p:bg>
+      <p:bgPr>
+        <a:solidFill>
+          <a:schemeClr val="bg2"/>
+        </a:solidFill>
+        <a:effectLst/>
+      </p:bgPr>
+    </p:bg>
     <p:spTree>
       <p:nvGrpSpPr>
         <p:cNvPr id="1" name=""/>
@@ -6827,9 +6802,16 @@
             <p:ph type="title"/>
           </p:nvPr>
         </p:nvSpPr>
-        <p:spPr/>
-        <p:txBody>
-          <a:bodyPr/>
+        <p:spPr>
+          <a:xfrm>
+            <a:off x="810000" y="447188"/>
+            <a:ext cx="5359921" cy="970450"/>
+          </a:xfrm>
+        </p:spPr>
+        <p:txBody>
+          <a:bodyPr vert="horz" lIns="91440" tIns="45720" rIns="91440" bIns="45720" rtlCol="0" anchor="b">
+            <a:normAutofit/>
+          </a:bodyPr>
           <a:lstStyle/>
           <a:p>
             <a:r>
@@ -6839,21 +6821,221 @@
           </a:p>
         </p:txBody>
       </p:sp>
+      <p:sp>
+        <p:nvSpPr>
+          <p:cNvPr id="7" name="TextBox 6">
+            <a:extLst>
+              <a:ext uri="{FF2B5EF4-FFF2-40B4-BE49-F238E27FC236}">
+                <a16:creationId xmlns:a16="http://schemas.microsoft.com/office/drawing/2014/main" id="{F4DD5E67-D1A7-A55C-4B77-55B88C73F8C4}"/>
+              </a:ext>
+            </a:extLst>
+          </p:cNvPr>
+          <p:cNvSpPr txBox="1"/>
+          <p:nvPr/>
+        </p:nvSpPr>
+        <p:spPr>
+          <a:xfrm>
+            <a:off x="184011" y="1953346"/>
+            <a:ext cx="4990418" cy="3636511"/>
+          </a:xfrm>
+          <a:prstGeom prst="rect">
+            <a:avLst/>
+          </a:prstGeom>
+        </p:spPr>
+        <p:txBody>
+          <a:bodyPr vert="horz" lIns="91440" tIns="45720" rIns="91440" bIns="45720" rtlCol="0" anchor="ctr">
+            <a:normAutofit/>
+          </a:bodyPr>
+          <a:lstStyle/>
+          <a:p>
+            <a:pPr>
+              <a:spcBef>
+                <a:spcPct val="20000"/>
+              </a:spcBef>
+              <a:spcAft>
+                <a:spcPts val="600"/>
+              </a:spcAft>
+              <a:buClr>
+                <a:schemeClr val="accent1"/>
+              </a:buClr>
+            </a:pPr>
+            <a:r>
+              <a:rPr lang="en-US" b="1" dirty="0">
+                <a:solidFill>
+                  <a:schemeClr val="accent1"/>
+                </a:solidFill>
+              </a:rPr>
+              <a:t>World Bank Open Data</a:t>
+            </a:r>
+            <a:endParaRPr lang="en-US" dirty="0">
+              <a:solidFill>
+                <a:schemeClr val="accent1"/>
+              </a:solidFill>
+            </a:endParaRPr>
+          </a:p>
+          <a:p>
+            <a:pPr>
+              <a:spcBef>
+                <a:spcPct val="20000"/>
+              </a:spcBef>
+              <a:spcAft>
+                <a:spcPts val="600"/>
+              </a:spcAft>
+              <a:buClr>
+                <a:schemeClr val="accent1"/>
+              </a:buClr>
+            </a:pPr>
+            <a:r>
+              <a:rPr lang="en-US" dirty="0"/>
+              <a:t>Using API requests to access GDP Per Capita for specific countries</a:t>
+            </a:r>
+          </a:p>
+        </p:txBody>
+      </p:sp>
+      <p:sp>
+        <p:nvSpPr>
+          <p:cNvPr id="12" name="Rectangle 11">
+            <a:extLst>
+              <a:ext uri="{FF2B5EF4-FFF2-40B4-BE49-F238E27FC236}">
+                <a16:creationId xmlns:a16="http://schemas.microsoft.com/office/drawing/2014/main" id="{89E3E1A0-1805-45BC-B907-434AB9D34F39}"/>
+              </a:ext>
+              <a:ext uri="{C183D7F6-B498-43B3-948B-1728B52AA6E4}">
+                <adec:decorative xmlns:adec="http://schemas.microsoft.com/office/drawing/2017/decorative" val="1"/>
+              </a:ext>
+            </a:extLst>
+          </p:cNvPr>
+          <p:cNvSpPr>
+            <a:spLocks noGrp="1" noRot="1" noChangeAspect="1" noMove="1" noResize="1" noEditPoints="1" noAdjustHandles="1" noChangeArrowheads="1" noChangeShapeType="1" noTextEdit="1"/>
+          </p:cNvSpPr>
+          <p:nvPr>
+            <p:extLst>
+              <p:ext uri="{386F3935-93C4-4BCD-93E2-E3B085C9AB24}">
+                <p16:designElem xmlns:p16="http://schemas.microsoft.com/office/powerpoint/2015/main" val="1"/>
+              </p:ext>
+            </p:extLst>
+          </p:nvPr>
+        </p:nvSpPr>
+        <p:spPr>
+          <a:xfrm>
+            <a:off x="6475898" y="0"/>
+            <a:ext cx="5713054" cy="6858000"/>
+          </a:xfrm>
+          <a:prstGeom prst="rect">
+            <a:avLst/>
+          </a:prstGeom>
+          <a:solidFill>
+            <a:schemeClr val="tx1"/>
+          </a:solidFill>
+          <a:ln>
+            <a:noFill/>
+          </a:ln>
+        </p:spPr>
+        <p:style>
+          <a:lnRef idx="2">
+            <a:schemeClr val="accent1">
+              <a:shade val="50000"/>
+            </a:schemeClr>
+          </a:lnRef>
+          <a:fillRef idx="1">
+            <a:schemeClr val="accent1"/>
+          </a:fillRef>
+          <a:effectRef idx="0">
+            <a:schemeClr val="accent1"/>
+          </a:effectRef>
+          <a:fontRef idx="minor">
+            <a:schemeClr val="lt1"/>
+          </a:fontRef>
+        </p:style>
+        <p:txBody>
+          <a:bodyPr rtlCol="0" anchor="ctr"/>
+          <a:lstStyle/>
+          <a:p>
+            <a:pPr algn="ctr"/>
+            <a:endParaRPr lang="en-US"/>
+          </a:p>
+        </p:txBody>
+      </p:sp>
+      <p:sp>
+        <p:nvSpPr>
+          <p:cNvPr id="14" name="Rounded Rectangle 17">
+            <a:extLst>
+              <a:ext uri="{FF2B5EF4-FFF2-40B4-BE49-F238E27FC236}">
+                <a16:creationId xmlns:a16="http://schemas.microsoft.com/office/drawing/2014/main" id="{6C2F1F09-5957-4AF7-B75D-EEC030D8ED03}"/>
+              </a:ext>
+              <a:ext uri="{C183D7F6-B498-43B3-948B-1728B52AA6E4}">
+                <adec:decorative xmlns:adec="http://schemas.microsoft.com/office/drawing/2017/decorative" val="1"/>
+              </a:ext>
+            </a:extLst>
+          </p:cNvPr>
+          <p:cNvSpPr>
+            <a:spLocks noGrp="1" noRot="1" noChangeAspect="1" noMove="1" noResize="1" noEditPoints="1" noAdjustHandles="1" noChangeArrowheads="1" noChangeShapeType="1" noTextEdit="1"/>
+          </p:cNvSpPr>
+          <p:nvPr>
+            <p:extLst>
+              <p:ext uri="{386F3935-93C4-4BCD-93E2-E3B085C9AB24}">
+                <p16:designElem xmlns:p16="http://schemas.microsoft.com/office/powerpoint/2015/main" val="1"/>
+              </p:ext>
+            </p:extLst>
+          </p:nvPr>
+        </p:nvSpPr>
+        <p:spPr>
+          <a:xfrm>
+            <a:off x="7128932" y="958640"/>
+            <a:ext cx="4419604" cy="4945244"/>
+          </a:xfrm>
+          <a:prstGeom prst="roundRect">
+            <a:avLst>
+              <a:gd name="adj" fmla="val 3513"/>
+            </a:avLst>
+          </a:prstGeom>
+          <a:solidFill>
+            <a:schemeClr val="tx1"/>
+          </a:solidFill>
+          <a:ln>
+            <a:solidFill>
+              <a:schemeClr val="accent1"/>
+            </a:solidFill>
+          </a:ln>
+          <a:effectLst/>
+        </p:spPr>
+        <p:style>
+          <a:lnRef idx="2">
+            <a:schemeClr val="accent1">
+              <a:shade val="50000"/>
+            </a:schemeClr>
+          </a:lnRef>
+          <a:fillRef idx="1">
+            <a:schemeClr val="accent1"/>
+          </a:fillRef>
+          <a:effectRef idx="0">
+            <a:schemeClr val="accent1"/>
+          </a:effectRef>
+          <a:fontRef idx="minor">
+            <a:schemeClr val="lt1"/>
+          </a:fontRef>
+        </p:style>
+        <p:txBody>
+          <a:bodyPr rtlCol="0" anchor="ctr"/>
+          <a:lstStyle/>
+          <a:p>
+            <a:pPr algn="ctr"/>
+            <a:endParaRPr lang="en-US"/>
+          </a:p>
+        </p:txBody>
+      </p:sp>
       <p:pic>
         <p:nvPicPr>
-          <p:cNvPr id="5" name="Content Placeholder 4" descr="A screenshot of a website&#10;&#10;Description automatically generated">
+          <p:cNvPr id="9" name="Content Placeholder 4" descr="A screenshot of a website&#10;&#10;Description automatically generated">
             <a:extLst>
               <a:ext uri="{FF2B5EF4-FFF2-40B4-BE49-F238E27FC236}">
-                <a16:creationId xmlns:a16="http://schemas.microsoft.com/office/drawing/2014/main" id="{34C1D35B-6F11-9AA5-130F-93BC229F068E}"/>
+                <a16:creationId xmlns:a16="http://schemas.microsoft.com/office/drawing/2014/main" id="{91266DB5-1609-9842-D8DE-463671B87324}"/>
               </a:ext>
             </a:extLst>
           </p:cNvPr>
           <p:cNvPicPr>
-            <a:picLocks noGrp="1" noChangeAspect="1"/>
+            <a:picLocks noChangeAspect="1"/>
           </p:cNvPicPr>
-          <p:nvPr>
-            <p:ph idx="1"/>
-          </p:nvPr>
+          <p:nvPr/>
         </p:nvPicPr>
         <p:blipFill>
           <a:blip r:embed="rId2"/>
@@ -6863,60 +7045,21 @@
         </p:blipFill>
         <p:spPr>
           <a:xfrm>
-            <a:off x="4992623" y="1912123"/>
-            <a:ext cx="6163057" cy="4945877"/>
-          </a:xfrm>
-        </p:spPr>
-      </p:pic>
-      <p:sp>
-        <p:nvSpPr>
-          <p:cNvPr id="7" name="TextBox 6">
-            <a:extLst>
-              <a:ext uri="{FF2B5EF4-FFF2-40B4-BE49-F238E27FC236}">
-                <a16:creationId xmlns:a16="http://schemas.microsoft.com/office/drawing/2014/main" id="{F4DD5E67-D1A7-A55C-4B77-55B88C73F8C4}"/>
-              </a:ext>
-            </a:extLst>
-          </p:cNvPr>
-          <p:cNvSpPr txBox="1"/>
-          <p:nvPr/>
-        </p:nvSpPr>
-        <p:spPr>
-          <a:xfrm>
-            <a:off x="466343" y="3784896"/>
-            <a:ext cx="4526280" cy="1200329"/>
+            <a:off x="5174429" y="-1"/>
+            <a:ext cx="7014706" cy="6858000"/>
           </a:xfrm>
           <a:prstGeom prst="rect">
             <a:avLst/>
           </a:prstGeom>
-          <a:noFill/>
+          <a:effectLst>
+            <a:outerShdw blurRad="50800" dir="14400000">
+              <a:srgbClr val="000000">
+                <a:alpha val="40000"/>
+              </a:srgbClr>
+            </a:outerShdw>
+          </a:effectLst>
         </p:spPr>
-        <p:txBody>
-          <a:bodyPr wrap="square" rtlCol="0">
-            <a:spAutoFit/>
-          </a:bodyPr>
-          <a:lstStyle/>
-          <a:p>
-            <a:r>
-              <a:rPr lang="en-US" b="1" dirty="0"/>
-              <a:t>World Bank Open Data</a:t>
-            </a:r>
-          </a:p>
-          <a:p>
-            <a:endParaRPr lang="en-US" dirty="0"/>
-          </a:p>
-          <a:p>
-            <a:r>
-              <a:rPr lang="en-US" dirty="0"/>
-              <a:t>Using </a:t>
-            </a:r>
-            <a:r>
-              <a:rPr lang="en-AU" dirty="0"/>
-              <a:t>API requests to access GDP Per Capita for specific countries</a:t>
-            </a:r>
-            <a:endParaRPr lang="en-US" dirty="0"/>
-          </a:p>
-        </p:txBody>
-      </p:sp>
+      </p:pic>
     </p:spTree>
     <p:extLst>
       <p:ext uri="{BB962C8B-B14F-4D97-AF65-F5344CB8AC3E}">
@@ -6927,6 +7070,9 @@
   <p:clrMapOvr>
     <a:masterClrMapping/>
   </p:clrMapOvr>
+  <p:transition spd="med">
+    <p:pull/>
+  </p:transition>
 </p:sld>
 </file>
 
@@ -6963,7 +7109,12 @@
             <p:ph type="title"/>
           </p:nvPr>
         </p:nvSpPr>
-        <p:spPr/>
+        <p:spPr>
+          <a:xfrm>
+            <a:off x="0" y="950298"/>
+            <a:ext cx="9348395" cy="970450"/>
+          </a:xfrm>
+        </p:spPr>
         <p:txBody>
           <a:bodyPr/>
           <a:lstStyle/>
@@ -6972,14 +7123,7 @@
               <a:rPr lang="en-US" dirty="0">
                 <a:latin typeface="-apple-system"/>
               </a:rPr>
-              <a:t>Australia: Relationship of New Case vs New Deaths</a:t>
-            </a:r>
-            <a:r>
-              <a:rPr lang="en-US" i="0" dirty="0">
-                <a:effectLst/>
-                <a:latin typeface="-apple-system"/>
-              </a:rPr>
-              <a:t>?</a:t>
+              <a:t>Australia: Relationship of New Cases vs New Deaths</a:t>
             </a:r>
             <a:endParaRPr lang="en-US" dirty="0"/>
           </a:p>
@@ -7043,7 +7187,11 @@
           <a:lstStyle/>
           <a:p>
             <a:r>
-              <a:rPr lang="en-US" b="1" dirty="0"/>
+              <a:rPr lang="en-US" b="1" dirty="0">
+                <a:solidFill>
+                  <a:schemeClr val="accent1"/>
+                </a:solidFill>
+              </a:rPr>
               <a:t>Key Messages</a:t>
             </a:r>
           </a:p>
@@ -7079,6 +7227,9 @@
   <p:clrMapOvr>
     <a:masterClrMapping/>
   </p:clrMapOvr>
+  <p:transition spd="med">
+    <p:pull/>
+  </p:transition>
 </p:sld>
 </file>
 
@@ -7104,6 +7255,171 @@
           <p:cNvPr id="2" name="Title 1">
             <a:extLst>
               <a:ext uri="{FF2B5EF4-FFF2-40B4-BE49-F238E27FC236}">
+                <a16:creationId xmlns:a16="http://schemas.microsoft.com/office/drawing/2014/main" id="{FB755B83-BA32-8C99-C4EC-0558C33B1C34}"/>
+              </a:ext>
+            </a:extLst>
+          </p:cNvPr>
+          <p:cNvSpPr>
+            <a:spLocks noGrp="1"/>
+          </p:cNvSpPr>
+          <p:nvPr>
+            <p:ph type="title"/>
+          </p:nvPr>
+        </p:nvSpPr>
+        <p:spPr>
+          <a:xfrm>
+            <a:off x="1" y="1"/>
+            <a:ext cx="6293224" cy="1873434"/>
+          </a:xfrm>
+        </p:spPr>
+        <p:txBody>
+          <a:bodyPr/>
+          <a:lstStyle/>
+          <a:p>
+            <a:r>
+              <a:rPr lang="en-US" sz="2800" dirty="0"/>
+              <a:t>How have COVID-19 vaccinations affected ICU patient admissions, confirmed cases and mortality rates?</a:t>
+            </a:r>
+          </a:p>
+        </p:txBody>
+      </p:sp>
+      <p:pic>
+        <p:nvPicPr>
+          <p:cNvPr id="7" name="Picture 6">
+            <a:extLst>
+              <a:ext uri="{FF2B5EF4-FFF2-40B4-BE49-F238E27FC236}">
+                <a16:creationId xmlns:a16="http://schemas.microsoft.com/office/drawing/2014/main" id="{6EB8B214-3874-C1E7-BE01-4290BF8F9DA0}"/>
+              </a:ext>
+            </a:extLst>
+          </p:cNvPr>
+          <p:cNvPicPr>
+            <a:picLocks noChangeAspect="1"/>
+          </p:cNvPicPr>
+          <p:nvPr/>
+        </p:nvPicPr>
+        <p:blipFill>
+          <a:blip r:embed="rId2"/>
+          <a:stretch>
+            <a:fillRect/>
+          </a:stretch>
+        </p:blipFill>
+        <p:spPr>
+          <a:xfrm>
+            <a:off x="6096001" y="0"/>
+            <a:ext cx="6096000" cy="6858000"/>
+          </a:xfrm>
+          <a:prstGeom prst="rect">
+            <a:avLst/>
+          </a:prstGeom>
+        </p:spPr>
+      </p:pic>
+      <p:sp>
+        <p:nvSpPr>
+          <p:cNvPr id="8" name="TextBox 7">
+            <a:extLst>
+              <a:ext uri="{FF2B5EF4-FFF2-40B4-BE49-F238E27FC236}">
+                <a16:creationId xmlns:a16="http://schemas.microsoft.com/office/drawing/2014/main" id="{8B6E2519-CE8D-AB1E-3258-2C6698A474E1}"/>
+              </a:ext>
+            </a:extLst>
+          </p:cNvPr>
+          <p:cNvSpPr txBox="1"/>
+          <p:nvPr/>
+        </p:nvSpPr>
+        <p:spPr>
+          <a:xfrm>
+            <a:off x="317130" y="2354576"/>
+            <a:ext cx="5675897" cy="2308324"/>
+          </a:xfrm>
+          <a:prstGeom prst="rect">
+            <a:avLst/>
+          </a:prstGeom>
+          <a:noFill/>
+        </p:spPr>
+        <p:txBody>
+          <a:bodyPr wrap="square" rtlCol="0">
+            <a:spAutoFit/>
+          </a:bodyPr>
+          <a:lstStyle/>
+          <a:p>
+            <a:r>
+              <a:rPr lang="en-US" b="1" dirty="0">
+                <a:solidFill>
+                  <a:schemeClr val="accent1"/>
+                </a:solidFill>
+              </a:rPr>
+              <a:t>Key Messages</a:t>
+            </a:r>
+          </a:p>
+          <a:p>
+            <a:pPr marL="285750" indent="-285750">
+              <a:buFont typeface="Arial" panose="020B0604020202020204" pitchFamily="34" charset="0"/>
+              <a:buChar char="•"/>
+            </a:pPr>
+            <a:r>
+              <a:rPr lang="en-US" dirty="0"/>
+              <a:t>COVID-19 has increased the number of ICU patients in Australia, Israel and Sweden.</a:t>
+            </a:r>
+          </a:p>
+          <a:p>
+            <a:pPr marL="285750" indent="-285750">
+              <a:buFont typeface="Arial" panose="020B0604020202020204" pitchFamily="34" charset="0"/>
+              <a:buChar char="•"/>
+            </a:pPr>
+            <a:r>
+              <a:rPr lang="en-US" dirty="0"/>
+              <a:t>COVID-19 has increased the number of people dying in Australia, Israel and Sweden.</a:t>
+            </a:r>
+          </a:p>
+          <a:p>
+            <a:pPr marL="285750" indent="-285750">
+              <a:buFont typeface="Arial" panose="020B0604020202020204" pitchFamily="34" charset="0"/>
+              <a:buChar char="•"/>
+            </a:pPr>
+            <a:r>
+              <a:rPr lang="en-US" dirty="0"/>
+              <a:t>Increasing vaccinations appear to lower the ICU patients and mortality rates in Australia, Israel and Sweden.</a:t>
+            </a:r>
+          </a:p>
+        </p:txBody>
+      </p:sp>
+    </p:spTree>
+    <p:extLst>
+      <p:ext uri="{BB962C8B-B14F-4D97-AF65-F5344CB8AC3E}">
+        <p14:creationId xmlns:p14="http://schemas.microsoft.com/office/powerpoint/2010/main" val="3411984850"/>
+      </p:ext>
+    </p:extLst>
+  </p:cSld>
+  <p:clrMapOvr>
+    <a:masterClrMapping/>
+  </p:clrMapOvr>
+  <p:transition spd="med">
+    <p:pull/>
+  </p:transition>
+</p:sld>
+</file>
+
+<file path=ppt/slides/slide8.xml><?xml version="1.0" encoding="utf-8"?>
+<p:sld xmlns:a="http://schemas.openxmlformats.org/drawingml/2006/main" xmlns:r="http://schemas.openxmlformats.org/officeDocument/2006/relationships" xmlns:p="http://schemas.openxmlformats.org/presentationml/2006/main">
+  <p:cSld>
+    <p:spTree>
+      <p:nvGrpSpPr>
+        <p:cNvPr id="1" name=""/>
+        <p:cNvGrpSpPr/>
+        <p:nvPr/>
+      </p:nvGrpSpPr>
+      <p:grpSpPr>
+        <a:xfrm>
+          <a:off x="0" y="0"/>
+          <a:ext cx="0" cy="0"/>
+          <a:chOff x="0" y="0"/>
+          <a:chExt cx="0" cy="0"/>
+        </a:xfrm>
+      </p:grpSpPr>
+      <p:sp>
+        <p:nvSpPr>
+          <p:cNvPr id="2" name="Title 1">
+            <a:extLst>
+              <a:ext uri="{FF2B5EF4-FFF2-40B4-BE49-F238E27FC236}">
                 <a16:creationId xmlns:a16="http://schemas.microsoft.com/office/drawing/2014/main" id="{08FFFF5B-1001-7C97-4B18-D1B91C14C418}"/>
               </a:ext>
             </a:extLst>
@@ -7117,7 +7433,7 @@
         </p:nvSpPr>
         <p:spPr>
           <a:xfrm>
-            <a:off x="810000" y="64008"/>
+            <a:off x="0" y="64008"/>
             <a:ext cx="10571998" cy="1819656"/>
           </a:xfrm>
         </p:spPr>
@@ -7158,47 +7474,12 @@
         </p:blipFill>
         <p:spPr>
           <a:xfrm>
-            <a:off x="3952700" y="1883664"/>
-            <a:ext cx="8239300" cy="4974336"/>
+            <a:off x="4917989" y="1883664"/>
+            <a:ext cx="7280410" cy="4974336"/>
           </a:xfrm>
           <a:prstGeom prst="rect">
             <a:avLst/>
           </a:prstGeom>
-        </p:spPr>
-      </p:pic>
-      <p:pic>
-        <p:nvPicPr>
-          <p:cNvPr id="5" name="Picture 4">
-            <a:extLst>
-              <a:ext uri="{FF2B5EF4-FFF2-40B4-BE49-F238E27FC236}">
-                <a16:creationId xmlns:a16="http://schemas.microsoft.com/office/drawing/2014/main" id="{9A64CEF0-3325-2547-CA53-A546981959D4}"/>
-              </a:ext>
-            </a:extLst>
-          </p:cNvPr>
-          <p:cNvPicPr>
-            <a:picLocks noChangeAspect="1"/>
-          </p:cNvPicPr>
-          <p:nvPr/>
-        </p:nvPicPr>
-        <p:blipFill>
-          <a:blip r:embed="rId3"/>
-          <a:stretch>
-            <a:fillRect/>
-          </a:stretch>
-        </p:blipFill>
-        <p:spPr>
-          <a:xfrm>
-            <a:off x="0" y="4604426"/>
-            <a:ext cx="3939540" cy="2253574"/>
-          </a:xfrm>
-          <a:prstGeom prst="rect">
-            <a:avLst/>
-          </a:prstGeom>
-          <a:ln>
-            <a:solidFill>
-              <a:schemeClr val="accent1"/>
-            </a:solidFill>
-          </a:ln>
         </p:spPr>
       </p:pic>
       <p:sp>
@@ -7215,7 +7496,7 @@
         </p:nvSpPr>
         <p:spPr>
           <a:xfrm>
-            <a:off x="84307" y="2253574"/>
+            <a:off x="96664" y="2068619"/>
             <a:ext cx="3754876" cy="2048021"/>
           </a:xfrm>
           <a:prstGeom prst="rect">
@@ -7230,7 +7511,11 @@
           <a:lstStyle/>
           <a:p>
             <a:r>
-              <a:rPr lang="en-US" b="1" dirty="0"/>
+              <a:rPr lang="en-US" b="1" dirty="0">
+                <a:solidFill>
+                  <a:schemeClr val="accent1"/>
+                </a:solidFill>
+              </a:rPr>
               <a:t>Key Messages</a:t>
             </a:r>
           </a:p>
@@ -7241,7 +7526,7 @@
             </a:pPr>
             <a:r>
               <a:rPr lang="en-US" dirty="0"/>
-              <a:t>Richer country spend more money on vaccination but also record more cases</a:t>
+              <a:t>Richer countries spend more money on vaccination but also record more cases.</a:t>
             </a:r>
           </a:p>
           <a:p>
@@ -7251,11 +7536,58 @@
             </a:pPr>
             <a:r>
               <a:rPr lang="en-US" dirty="0"/>
-              <a:t>Lower numbers in poorer country might be due to under reporting,</a:t>
-            </a:r>
-          </a:p>
-        </p:txBody>
-      </p:sp>
+              <a:t>Lower numbers in poorer countries may be due to under-reporting,</a:t>
+            </a:r>
+          </a:p>
+        </p:txBody>
+      </p:sp>
+      <p:pic>
+        <p:nvPicPr>
+          <p:cNvPr id="1026" name="Picture 2">
+            <a:extLst>
+              <a:ext uri="{FF2B5EF4-FFF2-40B4-BE49-F238E27FC236}">
+                <a16:creationId xmlns:a16="http://schemas.microsoft.com/office/drawing/2014/main" id="{296C719F-883B-7F8D-6A9A-9E154CD87211}"/>
+              </a:ext>
+            </a:extLst>
+          </p:cNvPr>
+          <p:cNvPicPr>
+            <a:picLocks noChangeAspect="1" noChangeArrowheads="1"/>
+          </p:cNvPicPr>
+          <p:nvPr/>
+        </p:nvPicPr>
+        <p:blipFill>
+          <a:blip r:embed="rId3">
+            <a:extLst>
+              <a:ext uri="{28A0092B-C50C-407E-A947-70E740481C1C}">
+                <a14:useLocalDpi xmlns:a14="http://schemas.microsoft.com/office/drawing/2010/main" val="0"/>
+              </a:ext>
+            </a:extLst>
+          </a:blip>
+          <a:srcRect/>
+          <a:stretch>
+            <a:fillRect/>
+          </a:stretch>
+        </p:blipFill>
+        <p:spPr bwMode="auto">
+          <a:xfrm>
+            <a:off x="0" y="4116640"/>
+            <a:ext cx="4917989" cy="2741360"/>
+          </a:xfrm>
+          <a:prstGeom prst="rect">
+            <a:avLst/>
+          </a:prstGeom>
+          <a:noFill/>
+          <a:extLst>
+            <a:ext uri="{909E8E84-426E-40DD-AFC4-6F175D3DCCD1}">
+              <a14:hiddenFill xmlns:a14="http://schemas.microsoft.com/office/drawing/2010/main">
+                <a:solidFill>
+                  <a:srgbClr val="FFFFFF"/>
+                </a:solidFill>
+              </a14:hiddenFill>
+            </a:ext>
+          </a:extLst>
+        </p:spPr>
+      </p:pic>
     </p:spTree>
     <p:extLst>
       <p:ext uri="{BB962C8B-B14F-4D97-AF65-F5344CB8AC3E}">
@@ -7266,164 +7598,9 @@
   <p:clrMapOvr>
     <a:masterClrMapping/>
   </p:clrMapOvr>
-</p:sld>
-</file>
-
-<file path=ppt/slides/slide8.xml><?xml version="1.0" encoding="utf-8"?>
-<p:sld xmlns:a="http://schemas.openxmlformats.org/drawingml/2006/main" xmlns:r="http://schemas.openxmlformats.org/officeDocument/2006/relationships" xmlns:p="http://schemas.openxmlformats.org/presentationml/2006/main">
-  <p:cSld>
-    <p:spTree>
-      <p:nvGrpSpPr>
-        <p:cNvPr id="1" name=""/>
-        <p:cNvGrpSpPr/>
-        <p:nvPr/>
-      </p:nvGrpSpPr>
-      <p:grpSpPr>
-        <a:xfrm>
-          <a:off x="0" y="0"/>
-          <a:ext cx="0" cy="0"/>
-          <a:chOff x="0" y="0"/>
-          <a:chExt cx="0" cy="0"/>
-        </a:xfrm>
-      </p:grpSpPr>
-      <p:sp>
-        <p:nvSpPr>
-          <p:cNvPr id="2" name="Title 1">
-            <a:extLst>
-              <a:ext uri="{FF2B5EF4-FFF2-40B4-BE49-F238E27FC236}">
-                <a16:creationId xmlns:a16="http://schemas.microsoft.com/office/drawing/2014/main" id="{FB755B83-BA32-8C99-C4EC-0558C33B1C34}"/>
-              </a:ext>
-            </a:extLst>
-          </p:cNvPr>
-          <p:cNvSpPr>
-            <a:spLocks noGrp="1"/>
-          </p:cNvSpPr>
-          <p:nvPr>
-            <p:ph type="title"/>
-          </p:nvPr>
-        </p:nvSpPr>
-        <p:spPr>
-          <a:xfrm>
-            <a:off x="407923" y="114722"/>
-            <a:ext cx="7309353" cy="1597347"/>
-          </a:xfrm>
-        </p:spPr>
-        <p:txBody>
-          <a:bodyPr/>
-          <a:lstStyle/>
-          <a:p>
-            <a:r>
-              <a:rPr lang="en-US" sz="3000" dirty="0"/>
-              <a:t>How have COVID-19 vaccinations affected ICU patient admissions, confirmed cases and mortality rates?</a:t>
-            </a:r>
-          </a:p>
-        </p:txBody>
-      </p:sp>
-      <p:pic>
-        <p:nvPicPr>
-          <p:cNvPr id="7" name="Picture 6">
-            <a:extLst>
-              <a:ext uri="{FF2B5EF4-FFF2-40B4-BE49-F238E27FC236}">
-                <a16:creationId xmlns:a16="http://schemas.microsoft.com/office/drawing/2014/main" id="{6EB8B214-3874-C1E7-BE01-4290BF8F9DA0}"/>
-              </a:ext>
-            </a:extLst>
-          </p:cNvPr>
-          <p:cNvPicPr>
-            <a:picLocks noChangeAspect="1"/>
-          </p:cNvPicPr>
-          <p:nvPr/>
-        </p:nvPicPr>
-        <p:blipFill>
-          <a:blip r:embed="rId2"/>
-          <a:stretch>
-            <a:fillRect/>
-          </a:stretch>
-        </p:blipFill>
-        <p:spPr>
-          <a:xfrm>
-            <a:off x="7542179" y="0"/>
-            <a:ext cx="4649822" cy="6858000"/>
-          </a:xfrm>
-          <a:prstGeom prst="rect">
-            <a:avLst/>
-          </a:prstGeom>
-        </p:spPr>
-      </p:pic>
-      <p:sp>
-        <p:nvSpPr>
-          <p:cNvPr id="8" name="TextBox 7">
-            <a:extLst>
-              <a:ext uri="{FF2B5EF4-FFF2-40B4-BE49-F238E27FC236}">
-                <a16:creationId xmlns:a16="http://schemas.microsoft.com/office/drawing/2014/main" id="{8B6E2519-CE8D-AB1E-3258-2C6698A474E1}"/>
-              </a:ext>
-            </a:extLst>
-          </p:cNvPr>
-          <p:cNvSpPr txBox="1"/>
-          <p:nvPr/>
-        </p:nvSpPr>
-        <p:spPr>
-          <a:xfrm>
-            <a:off x="317130" y="2354576"/>
-            <a:ext cx="5889115" cy="2308324"/>
-          </a:xfrm>
-          <a:prstGeom prst="rect">
-            <a:avLst/>
-          </a:prstGeom>
-          <a:noFill/>
-        </p:spPr>
-        <p:txBody>
-          <a:bodyPr wrap="square" rtlCol="0">
-            <a:spAutoFit/>
-          </a:bodyPr>
-          <a:lstStyle/>
-          <a:p>
-            <a:r>
-              <a:rPr lang="en-US" b="1" dirty="0"/>
-              <a:t>Key Messages</a:t>
-            </a:r>
-          </a:p>
-          <a:p>
-            <a:pPr marL="285750" indent="-285750">
-              <a:buFont typeface="Arial" panose="020B0604020202020204" pitchFamily="34" charset="0"/>
-              <a:buChar char="•"/>
-            </a:pPr>
-            <a:r>
-              <a:rPr lang="en-US" dirty="0"/>
-              <a:t>Covid-19 have increase the number of ICU patients in Australia, Israel and Sweden</a:t>
-            </a:r>
-          </a:p>
-          <a:p>
-            <a:pPr marL="285750" indent="-285750">
-              <a:buFont typeface="Arial" panose="020B0604020202020204" pitchFamily="34" charset="0"/>
-              <a:buChar char="•"/>
-            </a:pPr>
-            <a:r>
-              <a:rPr lang="en-US" dirty="0"/>
-              <a:t>Covid-19 have increase the number of people dying in Australia, Israel and Sweden</a:t>
-            </a:r>
-          </a:p>
-          <a:p>
-            <a:pPr marL="285750" indent="-285750">
-              <a:buFont typeface="Arial" panose="020B0604020202020204" pitchFamily="34" charset="0"/>
-              <a:buChar char="•"/>
-            </a:pPr>
-            <a:r>
-              <a:rPr lang="en-US" dirty="0"/>
-              <a:t>Increase vaccinations seems to lower the ICU patients and mortality rates in Australia, Israel and Sweden</a:t>
-            </a:r>
-          </a:p>
-        </p:txBody>
-      </p:sp>
-    </p:spTree>
-    <p:extLst>
-      <p:ext uri="{BB962C8B-B14F-4D97-AF65-F5344CB8AC3E}">
-        <p14:creationId xmlns:p14="http://schemas.microsoft.com/office/powerpoint/2010/main" val="3411984850"/>
-      </p:ext>
-    </p:extLst>
-  </p:cSld>
-  <p:clrMapOvr>
-    <a:masterClrMapping/>
-  </p:clrMapOvr>
+  <p:transition spd="med">
+    <p:pull/>
+  </p:transition>
 </p:sld>
 </file>
 
@@ -7460,7 +7637,12 @@
             <p:ph type="title"/>
           </p:nvPr>
         </p:nvSpPr>
-        <p:spPr/>
+        <p:spPr>
+          <a:xfrm>
+            <a:off x="0" y="936642"/>
+            <a:ext cx="10571998" cy="970450"/>
+          </a:xfrm>
+        </p:spPr>
         <p:txBody>
           <a:bodyPr/>
           <a:lstStyle/>
@@ -7470,7 +7652,7 @@
                 <a:effectLst/>
                 <a:latin typeface="-apple-system"/>
               </a:rPr>
-              <a:t>Were the COVID-19 vaccinations effective in Australia?</a:t>
+              <a:t>Were COVID-19 vaccinations effective in Australia?</a:t>
             </a:r>
             <a:endParaRPr lang="en-US" dirty="0"/>
           </a:p>
@@ -7500,8 +7682,8 @@
         </p:blipFill>
         <p:spPr>
           <a:xfrm>
-            <a:off x="3017520" y="1907092"/>
-            <a:ext cx="9174480" cy="4877755"/>
+            <a:off x="3830594" y="1907092"/>
+            <a:ext cx="8361405" cy="4877755"/>
           </a:xfrm>
           <a:prstGeom prst="rect">
             <a:avLst/>
@@ -7528,7 +7710,7 @@
         <p:spPr>
           <a:xfrm>
             <a:off x="0" y="2333685"/>
-            <a:ext cx="3017520" cy="2862322"/>
+            <a:ext cx="3558746" cy="2862322"/>
           </a:xfrm>
           <a:prstGeom prst="rect">
             <a:avLst/>
@@ -7542,8 +7724,12 @@
           <a:lstStyle/>
           <a:p>
             <a:r>
-              <a:rPr lang="en-AU" b="1" dirty="0"/>
-              <a:t>Key Messages:</a:t>
+              <a:rPr lang="en-AU" b="1" dirty="0">
+                <a:solidFill>
+                  <a:schemeClr val="accent1"/>
+                </a:solidFill>
+              </a:rPr>
+              <a:t>Key Messages</a:t>
             </a:r>
           </a:p>
           <a:p>
@@ -7553,7 +7739,7 @@
             </a:pPr>
             <a:r>
               <a:rPr lang="en-AU" sz="1800" dirty="0"/>
-              <a:t>Vaccination seem to work: Drastic drop in New Cases after &gt;80% People Fully Vaccinated Per Hundred. </a:t>
+              <a:t>Vaccination appears to work: Drastic drop in New Cases after &gt;80% People Fully Vaccinated Per Hundred. </a:t>
             </a:r>
           </a:p>
           <a:p>
@@ -7563,7 +7749,7 @@
             </a:pPr>
             <a:r>
               <a:rPr lang="en-AU" sz="1800" dirty="0"/>
-              <a:t>No new recording done beyond 2023</a:t>
+              <a:t>No new recordings are available in this dataset beyond 2023</a:t>
             </a:r>
             <a:endParaRPr lang="en-US" sz="1800" dirty="0"/>
           </a:p>
@@ -7582,6 +7768,9 @@
   <p:clrMapOvr>
     <a:masterClrMapping/>
   </p:clrMapOvr>
+  <p:transition spd="med">
+    <p:pull/>
+  </p:transition>
 </p:sld>
 </file>
 

--- a/Covid19_Presentation_Final.pptx
+++ b/Covid19_Presentation_Final.pptx
@@ -217,7 +217,7 @@
           <a:effectLst/>
           <a:extLst>
             <a:ext uri="{91240B29-F687-4f45-9708-019B960494DF}">
-              <a14:hiddenLine xmlns="" xmlns:a14="http://schemas.microsoft.com/office/drawing/2010/main" w="9525">
+              <a14:hiddenLine xmlns:a14="http://schemas.microsoft.com/office/drawing/2010/main" xmlns="" w="9525">
                 <a:solidFill>
                   <a:srgbClr val="000000"/>
                 </a:solidFill>
@@ -410,7 +410,7 @@
             <a:fld id="{08B9EBBA-996F-894A-B54A-D6246ED52CEA}" type="datetimeFigureOut">
               <a:rPr lang="en-US" smtClean="0"/>
               <a:pPr/>
-              <a:t>9/7/23</a:t>
+              <a:t>9/8/2023</a:t>
             </a:fld>
             <a:endParaRPr lang="en-US" dirty="0"/>
           </a:p>
@@ -730,7 +730,7 @@
             <a:fld id="{18C79C5D-2A6F-F04D-97DA-BEF2467B64E4}" type="datetimeFigureOut">
               <a:rPr lang="en-US" smtClean="0"/>
               <a:pPr/>
-              <a:t>9/7/23</a:t>
+              <a:t>9/8/2023</a:t>
             </a:fld>
             <a:endParaRPr lang="en-US" dirty="0"/>
           </a:p>
@@ -1220,7 +1220,7 @@
             <a:fld id="{8DFA1846-DA80-1C48-A609-854EA85C59AD}" type="datetimeFigureOut">
               <a:rPr lang="en-US" smtClean="0"/>
               <a:pPr/>
-              <a:t>9/7/23</a:t>
+              <a:t>9/8/2023</a:t>
             </a:fld>
             <a:endParaRPr lang="en-US" dirty="0"/>
           </a:p>
@@ -1591,7 +1591,7 @@
             <a:fld id="{FBF54567-0DE4-3F47-BF90-CB84690072F9}" type="datetimeFigureOut">
               <a:rPr lang="en-US" smtClean="0"/>
               <a:pPr/>
-              <a:t>9/7/23</a:t>
+              <a:t>9/8/2023</a:t>
             </a:fld>
             <a:endParaRPr lang="en-US" dirty="0"/>
           </a:p>
@@ -1747,7 +1747,7 @@
           <a:ln/>
           <a:extLst>
             <a:ext uri="{91240B29-F687-4f45-9708-019B960494DF}">
-              <a14:hiddenLine xmlns="" xmlns:a14="http://schemas.microsoft.com/office/drawing/2010/main" w="9525">
+              <a14:hiddenLine xmlns:a14="http://schemas.microsoft.com/office/drawing/2010/main" xmlns="" w="9525">
                 <a:solidFill>
                   <a:srgbClr val="000000"/>
                 </a:solidFill>
@@ -1866,7 +1866,7 @@
             <a:fld id="{C6C52C72-DE31-F449-A4ED-4C594FD91407}" type="datetimeFigureOut">
               <a:rPr lang="en-US" smtClean="0"/>
               <a:pPr/>
-              <a:t>9/7/23</a:t>
+              <a:t>9/8/2023</a:t>
             </a:fld>
             <a:endParaRPr lang="en-US" dirty="0"/>
           </a:p>
@@ -2024,7 +2024,7 @@
           <a:ln/>
           <a:extLst>
             <a:ext uri="{91240B29-F687-4f45-9708-019B960494DF}">
-              <a14:hiddenLine xmlns="" xmlns:a14="http://schemas.microsoft.com/office/drawing/2010/main" w="9525">
+              <a14:hiddenLine xmlns:a14="http://schemas.microsoft.com/office/drawing/2010/main" xmlns="" w="9525">
                 <a:solidFill>
                   <a:srgbClr val="000000"/>
                 </a:solidFill>
@@ -2153,7 +2153,7 @@
             <a:fld id="{ED62726E-379B-B349-9EED-81ED093FA806}" type="datetimeFigureOut">
               <a:rPr lang="en-US" smtClean="0"/>
               <a:pPr/>
-              <a:t>9/7/23</a:t>
+              <a:t>9/8/2023</a:t>
             </a:fld>
             <a:endParaRPr lang="en-US" dirty="0"/>
           </a:p>
@@ -2309,7 +2309,7 @@
           <a:ln/>
           <a:extLst>
             <a:ext uri="{91240B29-F687-4f45-9708-019B960494DF}">
-              <a14:hiddenLine xmlns="" xmlns:a14="http://schemas.microsoft.com/office/drawing/2010/main" w="9525">
+              <a14:hiddenLine xmlns:a14="http://schemas.microsoft.com/office/drawing/2010/main" xmlns="" w="9525">
                 <a:solidFill>
                   <a:srgbClr val="000000"/>
                 </a:solidFill>
@@ -2438,7 +2438,7 @@
             <a:fld id="{9B3A1323-8D79-1946-B0D7-40001CF92E9D}" type="datetimeFigureOut">
               <a:rPr lang="en-US" smtClean="0"/>
               <a:pPr/>
-              <a:t>9/7/23</a:t>
+              <a:t>9/8/2023</a:t>
             </a:fld>
             <a:endParaRPr lang="en-US" dirty="0"/>
           </a:p>
@@ -2783,7 +2783,7 @@
             <a:fld id="{8DFA1846-DA80-1C48-A609-854EA85C59AD}" type="datetimeFigureOut">
               <a:rPr lang="en-US" smtClean="0"/>
               <a:pPr/>
-              <a:t>9/7/23</a:t>
+              <a:t>9/8/2023</a:t>
             </a:fld>
             <a:endParaRPr lang="en-US" dirty="0"/>
           </a:p>
@@ -2939,7 +2939,7 @@
           <a:ln/>
           <a:extLst>
             <a:ext uri="{91240B29-F687-4f45-9708-019B960494DF}">
-              <a14:hiddenLine xmlns="" xmlns:a14="http://schemas.microsoft.com/office/drawing/2010/main" w="9525">
+              <a14:hiddenLine xmlns:a14="http://schemas.microsoft.com/office/drawing/2010/main" xmlns="" w="9525">
                 <a:solidFill>
                   <a:srgbClr val="000000"/>
                 </a:solidFill>
@@ -3124,7 +3124,7 @@
             <a:fld id="{57302355-E14B-8545-A8F8-0FE83CC9D524}" type="datetimeFigureOut">
               <a:rPr lang="en-US" smtClean="0"/>
               <a:pPr/>
-              <a:t>9/7/23</a:t>
+              <a:t>9/8/2023</a:t>
             </a:fld>
             <a:endParaRPr lang="en-US" dirty="0"/>
           </a:p>
@@ -3280,7 +3280,7 @@
           <a:ln/>
           <a:extLst>
             <a:ext uri="{91240B29-F687-4f45-9708-019B960494DF}">
-              <a14:hiddenLine xmlns="" xmlns:a14="http://schemas.microsoft.com/office/drawing/2010/main" w="9525">
+              <a14:hiddenLine xmlns:a14="http://schemas.microsoft.com/office/drawing/2010/main" xmlns="" w="9525">
                 <a:solidFill>
                   <a:srgbClr val="000000"/>
                 </a:solidFill>
@@ -3603,7 +3603,7 @@
             <a:fld id="{02640F58-564D-2B4F-AE67-E407BA4FCF45}" type="datetimeFigureOut">
               <a:rPr lang="en-US" smtClean="0"/>
               <a:pPr/>
-              <a:t>9/7/23</a:t>
+              <a:t>9/8/2023</a:t>
             </a:fld>
             <a:endParaRPr lang="en-US" dirty="0"/>
           </a:p>
@@ -3759,7 +3759,7 @@
           <a:ln/>
           <a:extLst>
             <a:ext uri="{91240B29-F687-4f45-9708-019B960494DF}">
-              <a14:hiddenLine xmlns="" xmlns:a14="http://schemas.microsoft.com/office/drawing/2010/main" w="9525">
+              <a14:hiddenLine xmlns:a14="http://schemas.microsoft.com/office/drawing/2010/main" xmlns="" w="9525">
                 <a:solidFill>
                   <a:srgbClr val="000000"/>
                 </a:solidFill>
@@ -3826,7 +3826,7 @@
             <a:fld id="{F13A34C8-038E-2045-AF43-DF7DBB8E0E9E}" type="datetimeFigureOut">
               <a:rPr lang="en-US" smtClean="0"/>
               <a:pPr/>
-              <a:t>9/7/23</a:t>
+              <a:t>9/8/2023</a:t>
             </a:fld>
             <a:endParaRPr lang="en-US" dirty="0"/>
           </a:p>
@@ -3923,7 +3923,7 @@
             <a:fld id="{8818C68F-D26B-8F47-958C-23B49CF8A634}" type="datetimeFigureOut">
               <a:rPr lang="en-US" smtClean="0"/>
               <a:pPr/>
-              <a:t>9/7/23</a:t>
+              <a:t>9/8/2023</a:t>
             </a:fld>
             <a:endParaRPr lang="en-US" dirty="0"/>
           </a:p>
@@ -4192,7 +4192,7 @@
           <a:ln/>
           <a:extLst>
             <a:ext uri="{91240B29-F687-4f45-9708-019B960494DF}">
-              <a14:hiddenLine xmlns="" xmlns:a14="http://schemas.microsoft.com/office/drawing/2010/main" w="9525">
+              <a14:hiddenLine xmlns:a14="http://schemas.microsoft.com/office/drawing/2010/main" xmlns="" w="9525">
                 <a:solidFill>
                   <a:srgbClr val="000000"/>
                 </a:solidFill>
@@ -4392,7 +4392,7 @@
             <a:fld id="{D0DF5E60-9974-AC48-9591-99C2BB44B7CF}" type="datetimeFigureOut">
               <a:rPr lang="en-US" smtClean="0"/>
               <a:pPr/>
-              <a:t>9/7/23</a:t>
+              <a:t>9/8/2023</a:t>
             </a:fld>
             <a:endParaRPr lang="en-US" dirty="0"/>
           </a:p>
@@ -4707,7 +4707,7 @@
             <a:fld id="{18C79C5D-2A6F-F04D-97DA-BEF2467B64E4}" type="datetimeFigureOut">
               <a:rPr lang="en-US" smtClean="0"/>
               <a:pPr/>
-              <a:t>9/7/23</a:t>
+              <a:t>9/8/2023</a:t>
             </a:fld>
             <a:endParaRPr lang="en-US" dirty="0"/>
           </a:p>
@@ -4979,7 +4979,7 @@
             <a:fld id="{09B482E8-6E0E-1B4F-B1FD-C69DB9E858D9}" type="datetimeFigureOut">
               <a:rPr lang="en-US" smtClean="0"/>
               <a:pPr/>
-              <a:t>9/7/23</a:t>
+              <a:t>9/8/2023</a:t>
             </a:fld>
             <a:endParaRPr lang="en-US" dirty="0"/>
           </a:p>
@@ -6531,7 +6531,7 @@
             </a:pPr>
             <a:r>
               <a:rPr lang="en-US" sz="1900" dirty="0"/>
-              <a:t>4. Were the COVID-19 vaccinations effective in Australia?</a:t>
+              <a:t>3. Were the COVID-19 vaccinations effective in Australia?</a:t>
             </a:r>
           </a:p>
           <a:p>
@@ -6540,7 +6540,7 @@
             </a:pPr>
             <a:r>
               <a:rPr lang="en-US" sz="1900" dirty="0"/>
-              <a:t>5. How effective were the different types of vaccinations?</a:t>
+              <a:t>4. How effective were the different types of vaccinations?</a:t>
             </a:r>
           </a:p>
           <a:p>
@@ -7328,7 +7328,7 @@
         <p:spPr>
           <a:xfrm>
             <a:off x="317130" y="2354576"/>
-            <a:ext cx="5675897" cy="2308324"/>
+            <a:ext cx="5675897" cy="3724096"/>
           </a:xfrm>
           <a:prstGeom prst="rect">
             <a:avLst/>
@@ -7377,7 +7377,27 @@
             </a:pPr>
             <a:r>
               <a:rPr lang="en-US" dirty="0"/>
-              <a:t>Increasing vaccinations appear to lower the ICU patients and mortality rates in Australia, Israel and Sweden.</a:t>
+              <a:t>Increasing vaccinations appear to lower the ICU patients and excess mortality in Australia, Israel and Sweden.</a:t>
+            </a:r>
+          </a:p>
+          <a:p>
+            <a:pPr marL="285750" indent="-285750">
+              <a:buFont typeface="Arial" panose="020B0604020202020204" pitchFamily="34" charset="0"/>
+              <a:buChar char="•"/>
+            </a:pPr>
+            <a:endParaRPr lang="en-US" dirty="0"/>
+          </a:p>
+          <a:p>
+            <a:pPr marL="285750" indent="-285750">
+              <a:buFont typeface="Arial" panose="020B0604020202020204" pitchFamily="34" charset="0"/>
+              <a:buChar char="•"/>
+            </a:pPr>
+            <a:endParaRPr lang="en-US" dirty="0"/>
+          </a:p>
+          <a:p>
+            <a:r>
+              <a:rPr lang="en-US" sz="1400" dirty="0"/>
+              <a:t>Excess Mortality is "The percentage difference between the reported number of weekly or monthly deaths in 2020–2021 and the projected number of deaths for the same period based on previous years" (One World in Data (2023))</a:t>
             </a:r>
           </a:p>
         </p:txBody>
